--- a/docs.pptx
+++ b/docs.pptx
@@ -5,10 +5,10 @@
     <p:sldMasterId id="2147483648" r:id="rId1"/>
   </p:sldMasterIdLst>
   <p:notesMasterIdLst>
-    <p:notesMasterId r:id="rId52"/>
+    <p:notesMasterId r:id="rId50"/>
   </p:notesMasterIdLst>
   <p:handoutMasterIdLst>
-    <p:handoutMasterId r:id="rId53"/>
+    <p:handoutMasterId r:id="rId51"/>
   </p:handoutMasterIdLst>
   <p:sldIdLst>
     <p:sldId id="293" r:id="rId2"/>
@@ -55,12 +55,10 @@
     <p:sldId id="318" r:id="rId43"/>
     <p:sldId id="320" r:id="rId44"/>
     <p:sldId id="321" r:id="rId45"/>
-    <p:sldId id="322" r:id="rId46"/>
-    <p:sldId id="316" r:id="rId47"/>
-    <p:sldId id="313" r:id="rId48"/>
-    <p:sldId id="324" r:id="rId49"/>
-    <p:sldId id="312" r:id="rId50"/>
-    <p:sldId id="323" r:id="rId51"/>
+    <p:sldId id="313" r:id="rId46"/>
+    <p:sldId id="324" r:id="rId47"/>
+    <p:sldId id="312" r:id="rId48"/>
+    <p:sldId id="323" r:id="rId49"/>
   </p:sldIdLst>
   <p:sldSz cx="12192000" cy="6858000"/>
   <p:notesSz cx="6858000" cy="9144000"/>
@@ -4278,7 +4276,7 @@
     </p:spTree>
     <p:extLst>
       <p:ext uri="{BB962C8B-B14F-4D97-AF65-F5344CB8AC3E}">
-        <p14:creationId xmlns:p14="http://schemas.microsoft.com/office/powerpoint/2010/main" val="3804703276"/>
+        <p14:creationId xmlns:p14="http://schemas.microsoft.com/office/powerpoint/2010/main" val="4240301719"/>
       </p:ext>
     </p:extLst>
   </p:cSld>
@@ -4492,7 +4490,7 @@
     </p:spTree>
     <p:extLst>
       <p:ext uri="{BB962C8B-B14F-4D97-AF65-F5344CB8AC3E}">
-        <p14:creationId xmlns:p14="http://schemas.microsoft.com/office/powerpoint/2010/main" val="518657317"/>
+        <p14:creationId xmlns:p14="http://schemas.microsoft.com/office/powerpoint/2010/main" val="427837296"/>
       </p:ext>
     </p:extLst>
   </p:cSld>
@@ -4599,7 +4597,7 @@
     </p:spTree>
     <p:extLst>
       <p:ext uri="{BB962C8B-B14F-4D97-AF65-F5344CB8AC3E}">
-        <p14:creationId xmlns:p14="http://schemas.microsoft.com/office/powerpoint/2010/main" val="4240301719"/>
+        <p14:creationId xmlns:p14="http://schemas.microsoft.com/office/powerpoint/2010/main" val="2496081276"/>
       </p:ext>
     </p:extLst>
   </p:cSld>
@@ -4610,220 +4608,6 @@
 </file>
 
 <file path=ppt/notesSlides/notesSlide42.xml><?xml version="1.0" encoding="utf-8"?>
-<p:notes xmlns:a="http://schemas.openxmlformats.org/drawingml/2006/main" xmlns:r="http://schemas.openxmlformats.org/officeDocument/2006/relationships" xmlns:p="http://schemas.openxmlformats.org/presentationml/2006/main">
-  <p:cSld>
-    <p:spTree>
-      <p:nvGrpSpPr>
-        <p:cNvPr id="1" name=""/>
-        <p:cNvGrpSpPr/>
-        <p:nvPr/>
-      </p:nvGrpSpPr>
-      <p:grpSpPr>
-        <a:xfrm>
-          <a:off x="0" y="0"/>
-          <a:ext cx="0" cy="0"/>
-          <a:chOff x="0" y="0"/>
-          <a:chExt cx="0" cy="0"/>
-        </a:xfrm>
-      </p:grpSpPr>
-      <p:sp>
-        <p:nvSpPr>
-          <p:cNvPr id="2" name="Slide Image Placeholder 1"/>
-          <p:cNvSpPr>
-            <a:spLocks noGrp="1" noRot="1" noChangeAspect="1"/>
-          </p:cNvSpPr>
-          <p:nvPr>
-            <p:ph type="sldImg"/>
-          </p:nvPr>
-        </p:nvSpPr>
-        <p:spPr/>
-      </p:sp>
-      <p:sp>
-        <p:nvSpPr>
-          <p:cNvPr id="3" name="Notes Placeholder 2"/>
-          <p:cNvSpPr>
-            <a:spLocks noGrp="1"/>
-          </p:cNvSpPr>
-          <p:nvPr>
-            <p:ph type="body" idx="1"/>
-          </p:nvPr>
-        </p:nvSpPr>
-        <p:spPr/>
-        <p:txBody>
-          <a:bodyPr/>
-          <a:lstStyle/>
-          <a:p>
-            <a:pPr marL="0" marR="0" lvl="0" indent="0" algn="l" defTabSz="914400" rtl="0" eaLnBrk="1" fontAlgn="auto" latinLnBrk="0" hangingPunct="1">
-              <a:lnSpc>
-                <a:spcPct val="100000"/>
-              </a:lnSpc>
-              <a:spcBef>
-                <a:spcPts val="0"/>
-              </a:spcBef>
-              <a:spcAft>
-                <a:spcPts val="0"/>
-              </a:spcAft>
-              <a:buClrTx/>
-              <a:buSzTx/>
-              <a:buFontTx/>
-              <a:buNone/>
-              <a:tabLst/>
-              <a:defRPr/>
-            </a:pPr>
-            <a:endParaRPr lang="en-US" altLang="zh-CN" dirty="0"/>
-          </a:p>
-        </p:txBody>
-      </p:sp>
-      <p:sp>
-        <p:nvSpPr>
-          <p:cNvPr id="5" name="Header Placeholder 4">
-            <a:extLst>
-              <a:ext uri="{FF2B5EF4-FFF2-40B4-BE49-F238E27FC236}">
-                <a16:creationId xmlns:a16="http://schemas.microsoft.com/office/drawing/2014/main" id="{8B210C9E-C718-46D6-ABB0-7C4CD2082A98}"/>
-              </a:ext>
-            </a:extLst>
-          </p:cNvPr>
-          <p:cNvSpPr>
-            <a:spLocks noGrp="1"/>
-          </p:cNvSpPr>
-          <p:nvPr>
-            <p:ph type="hdr" sz="quarter" idx="10"/>
-          </p:nvPr>
-        </p:nvSpPr>
-        <p:spPr/>
-        <p:txBody>
-          <a:bodyPr/>
-          <a:lstStyle/>
-          <a:p>
-            <a:r>
-              <a:rPr lang="en-US" altLang="zh-CN"/>
-              <a:t>USE CASE</a:t>
-            </a:r>
-            <a:endParaRPr lang="zh-CN" altLang="en-US"/>
-          </a:p>
-        </p:txBody>
-      </p:sp>
-    </p:spTree>
-    <p:extLst>
-      <p:ext uri="{BB962C8B-B14F-4D97-AF65-F5344CB8AC3E}">
-        <p14:creationId xmlns:p14="http://schemas.microsoft.com/office/powerpoint/2010/main" val="427837296"/>
-      </p:ext>
-    </p:extLst>
-  </p:cSld>
-  <p:clrMapOvr>
-    <a:masterClrMapping/>
-  </p:clrMapOvr>
-</p:notes>
-</file>
-
-<file path=ppt/notesSlides/notesSlide43.xml><?xml version="1.0" encoding="utf-8"?>
-<p:notes xmlns:a="http://schemas.openxmlformats.org/drawingml/2006/main" xmlns:r="http://schemas.openxmlformats.org/officeDocument/2006/relationships" xmlns:p="http://schemas.openxmlformats.org/presentationml/2006/main">
-  <p:cSld>
-    <p:spTree>
-      <p:nvGrpSpPr>
-        <p:cNvPr id="1" name=""/>
-        <p:cNvGrpSpPr/>
-        <p:nvPr/>
-      </p:nvGrpSpPr>
-      <p:grpSpPr>
-        <a:xfrm>
-          <a:off x="0" y="0"/>
-          <a:ext cx="0" cy="0"/>
-          <a:chOff x="0" y="0"/>
-          <a:chExt cx="0" cy="0"/>
-        </a:xfrm>
-      </p:grpSpPr>
-      <p:sp>
-        <p:nvSpPr>
-          <p:cNvPr id="2" name="Slide Image Placeholder 1"/>
-          <p:cNvSpPr>
-            <a:spLocks noGrp="1" noRot="1" noChangeAspect="1"/>
-          </p:cNvSpPr>
-          <p:nvPr>
-            <p:ph type="sldImg"/>
-          </p:nvPr>
-        </p:nvSpPr>
-        <p:spPr/>
-      </p:sp>
-      <p:sp>
-        <p:nvSpPr>
-          <p:cNvPr id="3" name="Notes Placeholder 2"/>
-          <p:cNvSpPr>
-            <a:spLocks noGrp="1"/>
-          </p:cNvSpPr>
-          <p:nvPr>
-            <p:ph type="body" idx="1"/>
-          </p:nvPr>
-        </p:nvSpPr>
-        <p:spPr/>
-        <p:txBody>
-          <a:bodyPr/>
-          <a:lstStyle/>
-          <a:p>
-            <a:pPr marL="0" marR="0" lvl="0" indent="0" algn="l" defTabSz="914400" rtl="0" eaLnBrk="1" fontAlgn="auto" latinLnBrk="0" hangingPunct="1">
-              <a:lnSpc>
-                <a:spcPct val="100000"/>
-              </a:lnSpc>
-              <a:spcBef>
-                <a:spcPts val="0"/>
-              </a:spcBef>
-              <a:spcAft>
-                <a:spcPts val="0"/>
-              </a:spcAft>
-              <a:buClrTx/>
-              <a:buSzTx/>
-              <a:buFontTx/>
-              <a:buNone/>
-              <a:tabLst/>
-              <a:defRPr/>
-            </a:pPr>
-            <a:endParaRPr lang="en-US" altLang="zh-CN" dirty="0"/>
-          </a:p>
-        </p:txBody>
-      </p:sp>
-      <p:sp>
-        <p:nvSpPr>
-          <p:cNvPr id="5" name="Header Placeholder 4">
-            <a:extLst>
-              <a:ext uri="{FF2B5EF4-FFF2-40B4-BE49-F238E27FC236}">
-                <a16:creationId xmlns:a16="http://schemas.microsoft.com/office/drawing/2014/main" id="{8B210C9E-C718-46D6-ABB0-7C4CD2082A98}"/>
-              </a:ext>
-            </a:extLst>
-          </p:cNvPr>
-          <p:cNvSpPr>
-            <a:spLocks noGrp="1"/>
-          </p:cNvSpPr>
-          <p:nvPr>
-            <p:ph type="hdr" sz="quarter" idx="10"/>
-          </p:nvPr>
-        </p:nvSpPr>
-        <p:spPr/>
-        <p:txBody>
-          <a:bodyPr/>
-          <a:lstStyle/>
-          <a:p>
-            <a:r>
-              <a:rPr lang="en-US" altLang="zh-CN"/>
-              <a:t>USE CASE</a:t>
-            </a:r>
-            <a:endParaRPr lang="zh-CN" altLang="en-US"/>
-          </a:p>
-        </p:txBody>
-      </p:sp>
-    </p:spTree>
-    <p:extLst>
-      <p:ext uri="{BB962C8B-B14F-4D97-AF65-F5344CB8AC3E}">
-        <p14:creationId xmlns:p14="http://schemas.microsoft.com/office/powerpoint/2010/main" val="2496081276"/>
-      </p:ext>
-    </p:extLst>
-  </p:cSld>
-  <p:clrMapOvr>
-    <a:masterClrMapping/>
-  </p:clrMapOvr>
-</p:notes>
-</file>
-
-<file path=ppt/notesSlides/notesSlide44.xml><?xml version="1.0" encoding="utf-8"?>
 <p:notes xmlns:a="http://schemas.openxmlformats.org/drawingml/2006/main" xmlns:r="http://schemas.openxmlformats.org/officeDocument/2006/relationships" xmlns:p="http://schemas.openxmlformats.org/presentationml/2006/main">
   <p:cSld>
     <p:spTree>
@@ -5607,7 +5391,7 @@
           <a:p>
             <a:fld id="{B2CAF260-C6E5-43C1-AB7D-1DDC31487812}" type="datetime1">
               <a:rPr lang="zh-CN" altLang="en-US" smtClean="0"/>
-              <a:t>2018/12/10</a:t>
+              <a:t>2019/1/28</a:t>
             </a:fld>
             <a:endParaRPr lang="zh-CN" altLang="en-US"/>
           </a:p>
@@ -5807,7 +5591,7 @@
           <a:p>
             <a:fld id="{E2FDE29B-B267-43B7-911F-8B7B5178DAAA}" type="datetime1">
               <a:rPr lang="zh-CN" altLang="en-US" smtClean="0"/>
-              <a:t>2018/12/10</a:t>
+              <a:t>2019/1/28</a:t>
             </a:fld>
             <a:endParaRPr lang="zh-CN" altLang="en-US"/>
           </a:p>
@@ -6017,7 +5801,7 @@
           <a:p>
             <a:fld id="{58F69AEE-EBB5-4094-A036-258B6CD5A691}" type="datetime1">
               <a:rPr lang="zh-CN" altLang="en-US" smtClean="0"/>
-              <a:t>2018/12/10</a:t>
+              <a:t>2019/1/28</a:t>
             </a:fld>
             <a:endParaRPr lang="zh-CN" altLang="en-US"/>
           </a:p>
@@ -6217,7 +6001,7 @@
           <a:p>
             <a:fld id="{EA0C55B6-15F8-47F2-BA17-6667D0884E94}" type="datetime1">
               <a:rPr lang="zh-CN" altLang="en-US" smtClean="0"/>
-              <a:t>2018/12/10</a:t>
+              <a:t>2019/1/28</a:t>
             </a:fld>
             <a:endParaRPr lang="zh-CN" altLang="en-US"/>
           </a:p>
@@ -6493,7 +6277,7 @@
           <a:p>
             <a:fld id="{E16475AB-DF1D-43B5-9314-A34969FDFCF1}" type="datetime1">
               <a:rPr lang="zh-CN" altLang="en-US" smtClean="0"/>
-              <a:t>2018/12/10</a:t>
+              <a:t>2019/1/28</a:t>
             </a:fld>
             <a:endParaRPr lang="zh-CN" altLang="en-US"/>
           </a:p>
@@ -6761,7 +6545,7 @@
           <a:p>
             <a:fld id="{3767A592-7E27-4E7D-A9C7-3B15B36FAD3A}" type="datetime1">
               <a:rPr lang="zh-CN" altLang="en-US" smtClean="0"/>
-              <a:t>2018/12/10</a:t>
+              <a:t>2019/1/28</a:t>
             </a:fld>
             <a:endParaRPr lang="zh-CN" altLang="en-US"/>
           </a:p>
@@ -7176,7 +6960,7 @@
           <a:p>
             <a:fld id="{7901F99E-C60E-4183-B8FD-840AF5CE3B57}" type="datetime1">
               <a:rPr lang="zh-CN" altLang="en-US" smtClean="0"/>
-              <a:t>2018/12/10</a:t>
+              <a:t>2019/1/28</a:t>
             </a:fld>
             <a:endParaRPr lang="zh-CN" altLang="en-US"/>
           </a:p>
@@ -7318,7 +7102,7 @@
           <a:p>
             <a:fld id="{7B195C80-D524-46BD-98B6-BA22A34855F7}" type="datetime1">
               <a:rPr lang="zh-CN" altLang="en-US" smtClean="0"/>
-              <a:t>2018/12/10</a:t>
+              <a:t>2019/1/28</a:t>
             </a:fld>
             <a:endParaRPr lang="zh-CN" altLang="en-US"/>
           </a:p>
@@ -7431,7 +7215,7 @@
           <a:p>
             <a:fld id="{B58FE623-1036-4545-9983-CC7ABA14B150}" type="datetime1">
               <a:rPr lang="zh-CN" altLang="en-US" smtClean="0"/>
-              <a:t>2018/12/10</a:t>
+              <a:t>2019/1/28</a:t>
             </a:fld>
             <a:endParaRPr lang="zh-CN" altLang="en-US"/>
           </a:p>
@@ -7744,7 +7528,7 @@
           <a:p>
             <a:fld id="{CA65BC31-ADFA-4939-ADF1-A57605AB2556}" type="datetime1">
               <a:rPr lang="zh-CN" altLang="en-US" smtClean="0"/>
-              <a:t>2018/12/10</a:t>
+              <a:t>2019/1/28</a:t>
             </a:fld>
             <a:endParaRPr lang="zh-CN" altLang="en-US"/>
           </a:p>
@@ -8033,7 +7817,7 @@
           <a:p>
             <a:fld id="{40F03ED0-6E5F-48BB-90A8-AD1EC3E9AF09}" type="datetime1">
               <a:rPr lang="zh-CN" altLang="en-US" smtClean="0"/>
-              <a:t>2018/12/10</a:t>
+              <a:t>2019/1/28</a:t>
             </a:fld>
             <a:endParaRPr lang="zh-CN" altLang="en-US"/>
           </a:p>
@@ -8276,7 +8060,7 @@
           <a:p>
             <a:fld id="{7BE51BE7-2DB2-422B-A0F1-EEC574E16519}" type="datetime1">
               <a:rPr lang="zh-CN" altLang="en-US" smtClean="0"/>
-              <a:t>2018/12/10</a:t>
+              <a:t>2019/1/28</a:t>
             </a:fld>
             <a:endParaRPr lang="zh-CN" altLang="en-US"/>
           </a:p>
@@ -43682,10 +43466,10 @@
       </p:grpSpPr>
       <p:sp>
         <p:nvSpPr>
-          <p:cNvPr id="19" name="Rectangle: Rounded Corners 18">
-            <a:extLst>
-              <a:ext uri="{FF2B5EF4-FFF2-40B4-BE49-F238E27FC236}">
-                <a16:creationId xmlns:a16="http://schemas.microsoft.com/office/drawing/2014/main" id="{63B16C67-4A99-4825-86E0-C0C4592F9A7A}"/>
+          <p:cNvPr id="21" name="Rectangle: Rounded Corners 20">
+            <a:extLst>
+              <a:ext uri="{FF2B5EF4-FFF2-40B4-BE49-F238E27FC236}">
+                <a16:creationId xmlns:a16="http://schemas.microsoft.com/office/drawing/2014/main" id="{F65B2436-1F20-4286-82EE-90A01FBFBCF1}"/>
               </a:ext>
             </a:extLst>
           </p:cNvPr>
@@ -43694,13 +43478,11 @@
         </p:nvSpPr>
         <p:spPr>
           <a:xfrm>
-            <a:off x="339436" y="258126"/>
-            <a:ext cx="3556289" cy="2589849"/>
+            <a:off x="3602966" y="997780"/>
+            <a:ext cx="1654833" cy="408623"/>
           </a:xfrm>
           <a:prstGeom prst="roundRect">
-            <a:avLst>
-              <a:gd name="adj" fmla="val 2347"/>
-            </a:avLst>
+            <a:avLst/>
           </a:prstGeom>
         </p:spPr>
         <p:style>
@@ -43718,27 +43500,29 @@
           </a:fontRef>
         </p:style>
         <p:txBody>
-          <a:bodyPr rtlCol="0" anchor="t" anchorCtr="0">
-            <a:noAutofit/>
+          <a:bodyPr rtlCol="0" anchor="ctr">
+            <a:spAutoFit/>
           </a:bodyPr>
           <a:lstStyle/>
           <a:p>
-            <a:pPr algn="ctr"/>
             <a:r>
               <a:rPr lang="en-US" altLang="zh-CN" dirty="0">
                 <a:latin typeface="Berlin Sans FB Demi" panose="020E0802020502020306" pitchFamily="34" charset="0"/>
               </a:rPr>
-              <a:t>candidate</a:t>
-            </a:r>
-          </a:p>
-        </p:txBody>
-      </p:sp>
-      <p:sp>
-        <p:nvSpPr>
-          <p:cNvPr id="29" name="Rectangle: Rounded Corners 28">
-            <a:extLst>
-              <a:ext uri="{FF2B5EF4-FFF2-40B4-BE49-F238E27FC236}">
-                <a16:creationId xmlns:a16="http://schemas.microsoft.com/office/drawing/2014/main" id="{F6BDF21F-B86D-4F25-B7B8-DA75FED78400}"/>
+              <a:t>UDP mode</a:t>
+            </a:r>
+            <a:endParaRPr lang="zh-CN" altLang="en-US" dirty="0">
+              <a:latin typeface="Berlin Sans FB Demi" panose="020E0802020502020306" pitchFamily="34" charset="0"/>
+            </a:endParaRPr>
+          </a:p>
+        </p:txBody>
+      </p:sp>
+      <p:sp>
+        <p:nvSpPr>
+          <p:cNvPr id="39" name="Rectangle: Rounded Corners 38">
+            <a:extLst>
+              <a:ext uri="{FF2B5EF4-FFF2-40B4-BE49-F238E27FC236}">
+                <a16:creationId xmlns:a16="http://schemas.microsoft.com/office/drawing/2014/main" id="{D8B6EF3A-85A8-46F3-9DDB-B2A0CB7E9198}"/>
               </a:ext>
             </a:extLst>
           </p:cNvPr>
@@ -43747,65 +43531,52 @@
         </p:nvSpPr>
         <p:spPr>
           <a:xfrm>
-            <a:off x="339436" y="1136684"/>
-            <a:ext cx="3556289" cy="334986"/>
+            <a:off x="7413915" y="1406404"/>
+            <a:ext cx="2762805" cy="408623"/>
           </a:xfrm>
           <a:prstGeom prst="roundRect">
             <a:avLst/>
           </a:prstGeom>
-          <a:solidFill>
-            <a:schemeClr val="accent3">
-              <a:lumMod val="60000"/>
-              <a:lumOff val="40000"/>
-            </a:schemeClr>
-          </a:solidFill>
-          <a:ln>
-            <a:solidFill>
-              <a:schemeClr val="accent3">
-                <a:lumMod val="20000"/>
-                <a:lumOff val="80000"/>
-              </a:schemeClr>
-            </a:solidFill>
-          </a:ln>
-        </p:spPr>
-        <p:style>
-          <a:lnRef idx="2">
-            <a:schemeClr val="accent1">
-              <a:shade val="50000"/>
-            </a:schemeClr>
-          </a:lnRef>
-          <a:fillRef idx="1">
-            <a:schemeClr val="accent1"/>
-          </a:fillRef>
-          <a:effectRef idx="0">
-            <a:schemeClr val="accent1"/>
-          </a:effectRef>
-          <a:fontRef idx="minor">
-            <a:schemeClr val="lt1"/>
-          </a:fontRef>
-        </p:style>
-        <p:txBody>
-          <a:bodyPr rtlCol="0" anchor="ctr"/>
-          <a:lstStyle/>
-          <a:p>
-            <a:r>
-              <a:rPr lang="en-US" altLang="zh-CN" sz="1400" dirty="0">
-                <a:latin typeface="Arial Black" panose="020B0A04020102020204" pitchFamily="34" charset="0"/>
+        </p:spPr>
+        <p:style>
+          <a:lnRef idx="1">
+            <a:schemeClr val="accent3"/>
+          </a:lnRef>
+          <a:fillRef idx="2">
+            <a:schemeClr val="accent3"/>
+          </a:fillRef>
+          <a:effectRef idx="1">
+            <a:schemeClr val="accent3"/>
+          </a:effectRef>
+          <a:fontRef idx="minor">
+            <a:schemeClr val="dk1"/>
+          </a:fontRef>
+        </p:style>
+        <p:txBody>
+          <a:bodyPr rtlCol="0" anchor="ctr">
+            <a:spAutoFit/>
+          </a:bodyPr>
+          <a:lstStyle/>
+          <a:p>
+            <a:pPr algn="ctr"/>
+            <a:r>
+              <a:rPr lang="en-US" altLang="zh-CN" dirty="0">
+                <a:latin typeface="Berlin Sans FB Demi" panose="020E0802020502020306" pitchFamily="34" charset="0"/>
               </a:rPr>
-              <a:t>virtual bool initialize() = 0</a:t>
-            </a:r>
-            <a:endParaRPr lang="zh-CN" altLang="en-US" sz="1400" dirty="0">
-              <a:latin typeface="Arial Black" panose="020B0A04020102020204" pitchFamily="34" charset="0"/>
+              <a:t>HOST with TCP mode</a:t>
+            </a:r>
+            <a:endParaRPr lang="zh-CN" altLang="en-US" dirty="0">
+              <a:latin typeface="Berlin Sans FB Demi" panose="020E0802020502020306" pitchFamily="34" charset="0"/>
             </a:endParaRPr>
           </a:p>
         </p:txBody>
       </p:sp>
       <p:sp>
         <p:nvSpPr>
-          <p:cNvPr id="33" name="Rectangle: Rounded Corners 32">
-            <a:extLst>
-              <a:ext uri="{FF2B5EF4-FFF2-40B4-BE49-F238E27FC236}">
-                <a16:creationId xmlns:a16="http://schemas.microsoft.com/office/drawing/2014/main" id="{5388E3C9-445F-4CBE-BFCE-D97AE2EC880C}"/>
+          <p:cNvPr id="41" name="Rectangle: Rounded Corners 40">
+            <a:extLst>
+              <a:ext uri="{FF2B5EF4-FFF2-40B4-BE49-F238E27FC236}">
+                <a16:creationId xmlns:a16="http://schemas.microsoft.com/office/drawing/2014/main" id="{0FBA3F69-7837-4CA3-8D35-6D3B0B2231BB}"/>
               </a:ext>
             </a:extLst>
           </p:cNvPr>
@@ -43814,65 +43585,52 @@
         </p:nvSpPr>
         <p:spPr>
           <a:xfrm>
-            <a:off x="339436" y="1517684"/>
-            <a:ext cx="3556289" cy="334986"/>
+            <a:off x="6747556" y="2033666"/>
+            <a:ext cx="1886898" cy="408623"/>
           </a:xfrm>
           <a:prstGeom prst="roundRect">
             <a:avLst/>
           </a:prstGeom>
-          <a:solidFill>
-            <a:schemeClr val="accent3">
-              <a:lumMod val="60000"/>
-              <a:lumOff val="40000"/>
-            </a:schemeClr>
-          </a:solidFill>
-          <a:ln>
-            <a:solidFill>
-              <a:schemeClr val="accent3">
-                <a:lumMod val="20000"/>
-                <a:lumOff val="80000"/>
-              </a:schemeClr>
-            </a:solidFill>
-          </a:ln>
-        </p:spPr>
-        <p:style>
-          <a:lnRef idx="2">
-            <a:schemeClr val="accent1">
-              <a:shade val="50000"/>
-            </a:schemeClr>
-          </a:lnRef>
-          <a:fillRef idx="1">
-            <a:schemeClr val="accent1"/>
-          </a:fillRef>
-          <a:effectRef idx="0">
-            <a:schemeClr val="accent1"/>
-          </a:effectRef>
-          <a:fontRef idx="minor">
-            <a:schemeClr val="lt1"/>
-          </a:fontRef>
-        </p:style>
-        <p:txBody>
-          <a:bodyPr rtlCol="0" anchor="ctr"/>
-          <a:lstStyle/>
-          <a:p>
-            <a:r>
-              <a:rPr lang="en-US" altLang="zh-CN" sz="1400" dirty="0">
-                <a:latin typeface="Arial Black" panose="020B0A04020102020204" pitchFamily="34" charset="0"/>
+        </p:spPr>
+        <p:style>
+          <a:lnRef idx="1">
+            <a:schemeClr val="accent3"/>
+          </a:lnRef>
+          <a:fillRef idx="2">
+            <a:schemeClr val="accent3"/>
+          </a:fillRef>
+          <a:effectRef idx="1">
+            <a:schemeClr val="accent3"/>
+          </a:effectRef>
+          <a:fontRef idx="minor">
+            <a:schemeClr val="dk1"/>
+          </a:fontRef>
+        </p:style>
+        <p:txBody>
+          <a:bodyPr rtlCol="0" anchor="ctr">
+            <a:spAutoFit/>
+          </a:bodyPr>
+          <a:lstStyle/>
+          <a:p>
+            <a:pPr algn="ctr"/>
+            <a:r>
+              <a:rPr lang="en-US" altLang="zh-CN" dirty="0">
+                <a:latin typeface="Berlin Sans FB Demi" panose="020E0802020502020306" pitchFamily="34" charset="0"/>
               </a:rPr>
-              <a:t>std::string GetLocalIP()</a:t>
-            </a:r>
-            <a:endParaRPr lang="zh-CN" altLang="en-US" sz="1400" dirty="0">
-              <a:latin typeface="Arial Black" panose="020B0A04020102020204" pitchFamily="34" charset="0"/>
+              <a:t>passivestream</a:t>
+            </a:r>
+            <a:endParaRPr lang="zh-CN" altLang="en-US" dirty="0">
+              <a:latin typeface="Berlin Sans FB Demi" panose="020E0802020502020306" pitchFamily="34" charset="0"/>
             </a:endParaRPr>
           </a:p>
         </p:txBody>
       </p:sp>
       <p:sp>
         <p:nvSpPr>
-          <p:cNvPr id="36" name="Rectangle: Rounded Corners 35">
-            <a:extLst>
-              <a:ext uri="{FF2B5EF4-FFF2-40B4-BE49-F238E27FC236}">
-                <a16:creationId xmlns:a16="http://schemas.microsoft.com/office/drawing/2014/main" id="{48BAE68C-A431-4B0D-886D-0018B65E8EEF}"/>
+          <p:cNvPr id="43" name="Rectangle: Rounded Corners 42">
+            <a:extLst>
+              <a:ext uri="{FF2B5EF4-FFF2-40B4-BE49-F238E27FC236}">
+                <a16:creationId xmlns:a16="http://schemas.microsoft.com/office/drawing/2014/main" id="{161CBF48-2FED-4841-B7C9-14B754B32357}"/>
               </a:ext>
             </a:extLst>
           </p:cNvPr>
@@ -43881,65 +43639,52 @@
         </p:nvSpPr>
         <p:spPr>
           <a:xfrm>
-            <a:off x="339436" y="1897936"/>
-            <a:ext cx="3556289" cy="334986"/>
+            <a:off x="9043947" y="2033666"/>
+            <a:ext cx="1654833" cy="408623"/>
           </a:xfrm>
           <a:prstGeom prst="roundRect">
             <a:avLst/>
           </a:prstGeom>
-          <a:solidFill>
-            <a:schemeClr val="accent3">
-              <a:lumMod val="60000"/>
-              <a:lumOff val="40000"/>
-            </a:schemeClr>
-          </a:solidFill>
-          <a:ln>
-            <a:solidFill>
-              <a:schemeClr val="accent3">
-                <a:lumMod val="20000"/>
-                <a:lumOff val="80000"/>
-              </a:schemeClr>
-            </a:solidFill>
-          </a:ln>
-        </p:spPr>
-        <p:style>
-          <a:lnRef idx="2">
-            <a:schemeClr val="accent1">
-              <a:shade val="50000"/>
-            </a:schemeClr>
-          </a:lnRef>
-          <a:fillRef idx="1">
-            <a:schemeClr val="accent1"/>
-          </a:fillRef>
-          <a:effectRef idx="0">
-            <a:schemeClr val="accent1"/>
-          </a:effectRef>
-          <a:fontRef idx="minor">
-            <a:schemeClr val="lt1"/>
-          </a:fontRef>
-        </p:style>
-        <p:txBody>
-          <a:bodyPr rtlCol="0" anchor="ctr"/>
-          <a:lstStyle/>
-          <a:p>
-            <a:r>
-              <a:rPr lang="en-US" altLang="zh-CN" sz="1400" dirty="0">
-                <a:latin typeface="Arial Black" panose="020B0A04020102020204" pitchFamily="34" charset="0"/>
+        </p:spPr>
+        <p:style>
+          <a:lnRef idx="1">
+            <a:schemeClr val="accent3"/>
+          </a:lnRef>
+          <a:fillRef idx="2">
+            <a:schemeClr val="accent3"/>
+          </a:fillRef>
+          <a:effectRef idx="1">
+            <a:schemeClr val="accent3"/>
+          </a:effectRef>
+          <a:fontRef idx="minor">
+            <a:schemeClr val="dk1"/>
+          </a:fontRef>
+        </p:style>
+        <p:txBody>
+          <a:bodyPr rtlCol="0" anchor="ctr">
+            <a:spAutoFit/>
+          </a:bodyPr>
+          <a:lstStyle/>
+          <a:p>
+            <a:pPr algn="ctr"/>
+            <a:r>
+              <a:rPr lang="en-US" altLang="zh-CN" dirty="0">
+                <a:latin typeface="Berlin Sans FB Demi" panose="020E0802020502020306" pitchFamily="34" charset="0"/>
               </a:rPr>
-              <a:t>Int16_t GetLocalPort ()</a:t>
-            </a:r>
-            <a:endParaRPr lang="zh-CN" altLang="en-US" sz="1400" dirty="0">
-              <a:latin typeface="Arial Black" panose="020B0A04020102020204" pitchFamily="34" charset="0"/>
+              <a:t>activestream</a:t>
+            </a:r>
+            <a:endParaRPr lang="zh-CN" altLang="en-US" dirty="0">
+              <a:latin typeface="Berlin Sans FB Demi" panose="020E0802020502020306" pitchFamily="34" charset="0"/>
             </a:endParaRPr>
           </a:p>
         </p:txBody>
       </p:sp>
       <p:sp>
         <p:nvSpPr>
-          <p:cNvPr id="38" name="Rectangle: Rounded Corners 37">
-            <a:extLst>
-              <a:ext uri="{FF2B5EF4-FFF2-40B4-BE49-F238E27FC236}">
-                <a16:creationId xmlns:a16="http://schemas.microsoft.com/office/drawing/2014/main" id="{07162B93-8336-4D19-AD5E-3E2C8CA38A67}"/>
+          <p:cNvPr id="47" name="Rectangle: Rounded Corners 46">
+            <a:extLst>
+              <a:ext uri="{FF2B5EF4-FFF2-40B4-BE49-F238E27FC236}">
+                <a16:creationId xmlns:a16="http://schemas.microsoft.com/office/drawing/2014/main" id="{1F328B9A-9F38-4A99-8823-E1362167F3DE}"/>
               </a:ext>
             </a:extLst>
           </p:cNvPr>
@@ -43948,55 +43693,91 @@
         </p:nvSpPr>
         <p:spPr>
           <a:xfrm>
-            <a:off x="339436" y="2268284"/>
-            <a:ext cx="3556289" cy="334986"/>
+            <a:off x="2217511" y="3467183"/>
+            <a:ext cx="1575171" cy="408623"/>
           </a:xfrm>
           <a:prstGeom prst="roundRect">
             <a:avLst/>
           </a:prstGeom>
-          <a:solidFill>
-            <a:schemeClr val="accent3">
-              <a:lumMod val="60000"/>
-              <a:lumOff val="40000"/>
-            </a:schemeClr>
-          </a:solidFill>
-          <a:ln>
-            <a:solidFill>
-              <a:schemeClr val="accent3">
-                <a:lumMod val="20000"/>
-                <a:lumOff val="80000"/>
-              </a:schemeClr>
-            </a:solidFill>
-          </a:ln>
-        </p:spPr>
-        <p:style>
-          <a:lnRef idx="2">
-            <a:schemeClr val="accent1">
-              <a:shade val="50000"/>
-            </a:schemeClr>
-          </a:lnRef>
-          <a:fillRef idx="1">
-            <a:schemeClr val="accent1"/>
-          </a:fillRef>
-          <a:effectRef idx="0">
-            <a:schemeClr val="accent1"/>
-          </a:effectRef>
-          <a:fontRef idx="minor">
-            <a:schemeClr val="lt1"/>
-          </a:fontRef>
-        </p:style>
-        <p:txBody>
-          <a:bodyPr rtlCol="0" anchor="ctr"/>
-          <a:lstStyle/>
-          <a:p>
-            <a:r>
-              <a:rPr lang="en-US" altLang="zh-CN" sz="1400" dirty="0">
-                <a:latin typeface="Arial Black" panose="020B0A04020102020204" pitchFamily="34" charset="0"/>
+        </p:spPr>
+        <p:style>
+          <a:lnRef idx="1">
+            <a:schemeClr val="accent3"/>
+          </a:lnRef>
+          <a:fillRef idx="2">
+            <a:schemeClr val="accent3"/>
+          </a:fillRef>
+          <a:effectRef idx="1">
+            <a:schemeClr val="accent3"/>
+          </a:effectRef>
+          <a:fontRef idx="minor">
+            <a:schemeClr val="dk1"/>
+          </a:fontRef>
+        </p:style>
+        <p:txBody>
+          <a:bodyPr rtlCol="0" anchor="ctr">
+            <a:spAutoFit/>
+          </a:bodyPr>
+          <a:lstStyle/>
+          <a:p>
+            <a:r>
+              <a:rPr lang="en-US" altLang="zh-CN" dirty="0">
+                <a:latin typeface="Berlin Sans FB Demi" panose="020E0802020502020306" pitchFamily="34" charset="0"/>
               </a:rPr>
-              <a:t>virtual bool initialize() = 0</a:t>
-            </a:r>
-            <a:endParaRPr lang="zh-CN" altLang="en-US" sz="1400" dirty="0">
-              <a:latin typeface="Arial Black" panose="020B0A04020102020204" pitchFamily="34" charset="0"/>
+              <a:t>multiplexing </a:t>
+            </a:r>
+          </a:p>
+        </p:txBody>
+      </p:sp>
+      <p:sp>
+        <p:nvSpPr>
+          <p:cNvPr id="49" name="Rectangle: Rounded Corners 48">
+            <a:extLst>
+              <a:ext uri="{FF2B5EF4-FFF2-40B4-BE49-F238E27FC236}">
+                <a16:creationId xmlns:a16="http://schemas.microsoft.com/office/drawing/2014/main" id="{ADBB303A-D1BD-4912-938E-14B955DDF743}"/>
+              </a:ext>
+            </a:extLst>
+          </p:cNvPr>
+          <p:cNvSpPr/>
+          <p:nvPr/>
+        </p:nvSpPr>
+        <p:spPr>
+          <a:xfrm>
+            <a:off x="1656402" y="997781"/>
+            <a:ext cx="1575171" cy="408623"/>
+          </a:xfrm>
+          <a:prstGeom prst="roundRect">
+            <a:avLst/>
+          </a:prstGeom>
+        </p:spPr>
+        <p:style>
+          <a:lnRef idx="1">
+            <a:schemeClr val="accent3"/>
+          </a:lnRef>
+          <a:fillRef idx="2">
+            <a:schemeClr val="accent3"/>
+          </a:fillRef>
+          <a:effectRef idx="1">
+            <a:schemeClr val="accent3"/>
+          </a:effectRef>
+          <a:fontRef idx="minor">
+            <a:schemeClr val="dk1"/>
+          </a:fontRef>
+        </p:style>
+        <p:txBody>
+          <a:bodyPr rtlCol="0" anchor="ctr">
+            <a:spAutoFit/>
+          </a:bodyPr>
+          <a:lstStyle/>
+          <a:p>
+            <a:r>
+              <a:rPr lang="en-US" altLang="zh-CN" dirty="0">
+                <a:latin typeface="Berlin Sans FB Demi" panose="020E0802020502020306" pitchFamily="34" charset="0"/>
+              </a:rPr>
+              <a:t>UDP mode</a:t>
+            </a:r>
+            <a:endParaRPr lang="zh-CN" altLang="en-US" dirty="0">
+              <a:latin typeface="Berlin Sans FB Demi" panose="020E0802020502020306" pitchFamily="34" charset="0"/>
             </a:endParaRPr>
           </a:p>
         </p:txBody>
@@ -44004,7 +43785,7 @@
     </p:spTree>
     <p:extLst>
       <p:ext uri="{BB962C8B-B14F-4D97-AF65-F5344CB8AC3E}">
-        <p14:creationId xmlns:p14="http://schemas.microsoft.com/office/powerpoint/2010/main" val="4200195582"/>
+        <p14:creationId xmlns:p14="http://schemas.microsoft.com/office/powerpoint/2010/main" val="3662262798"/>
       </p:ext>
     </p:extLst>
   </p:cSld>
@@ -44033,705 +43814,6 @@
       </p:grpSpPr>
       <p:sp>
         <p:nvSpPr>
-          <p:cNvPr id="19" name="Rectangle: Rounded Corners 18">
-            <a:extLst>
-              <a:ext uri="{FF2B5EF4-FFF2-40B4-BE49-F238E27FC236}">
-                <a16:creationId xmlns:a16="http://schemas.microsoft.com/office/drawing/2014/main" id="{63B16C67-4A99-4825-86E0-C0C4592F9A7A}"/>
-              </a:ext>
-            </a:extLst>
-          </p:cNvPr>
-          <p:cNvSpPr/>
-          <p:nvPr/>
-        </p:nvSpPr>
-        <p:spPr>
-          <a:xfrm>
-            <a:off x="339436" y="258126"/>
-            <a:ext cx="3556289" cy="2589849"/>
-          </a:xfrm>
-          <a:prstGeom prst="roundRect">
-            <a:avLst>
-              <a:gd name="adj" fmla="val 2347"/>
-            </a:avLst>
-          </a:prstGeom>
-        </p:spPr>
-        <p:style>
-          <a:lnRef idx="1">
-            <a:schemeClr val="accent3"/>
-          </a:lnRef>
-          <a:fillRef idx="2">
-            <a:schemeClr val="accent3"/>
-          </a:fillRef>
-          <a:effectRef idx="1">
-            <a:schemeClr val="accent3"/>
-          </a:effectRef>
-          <a:fontRef idx="minor">
-            <a:schemeClr val="dk1"/>
-          </a:fontRef>
-        </p:style>
-        <p:txBody>
-          <a:bodyPr rtlCol="0" anchor="t" anchorCtr="0">
-            <a:noAutofit/>
-          </a:bodyPr>
-          <a:lstStyle/>
-          <a:p>
-            <a:pPr algn="ctr"/>
-            <a:r>
-              <a:rPr lang="en-US" altLang="zh-CN" dirty="0">
-                <a:latin typeface="Berlin Sans FB Demi" panose="020E0802020502020306" pitchFamily="34" charset="0"/>
-              </a:rPr>
-              <a:t>candidate</a:t>
-            </a:r>
-          </a:p>
-        </p:txBody>
-      </p:sp>
-      <p:sp>
-        <p:nvSpPr>
-          <p:cNvPr id="29" name="Rectangle: Rounded Corners 28">
-            <a:extLst>
-              <a:ext uri="{FF2B5EF4-FFF2-40B4-BE49-F238E27FC236}">
-                <a16:creationId xmlns:a16="http://schemas.microsoft.com/office/drawing/2014/main" id="{F6BDF21F-B86D-4F25-B7B8-DA75FED78400}"/>
-              </a:ext>
-            </a:extLst>
-          </p:cNvPr>
-          <p:cNvSpPr/>
-          <p:nvPr/>
-        </p:nvSpPr>
-        <p:spPr>
-          <a:xfrm>
-            <a:off x="339436" y="1136684"/>
-            <a:ext cx="3556289" cy="334986"/>
-          </a:xfrm>
-          <a:prstGeom prst="roundRect">
-            <a:avLst/>
-          </a:prstGeom>
-          <a:solidFill>
-            <a:schemeClr val="accent3">
-              <a:lumMod val="60000"/>
-              <a:lumOff val="40000"/>
-            </a:schemeClr>
-          </a:solidFill>
-          <a:ln>
-            <a:solidFill>
-              <a:schemeClr val="accent3">
-                <a:lumMod val="20000"/>
-                <a:lumOff val="80000"/>
-              </a:schemeClr>
-            </a:solidFill>
-          </a:ln>
-        </p:spPr>
-        <p:style>
-          <a:lnRef idx="2">
-            <a:schemeClr val="accent1">
-              <a:shade val="50000"/>
-            </a:schemeClr>
-          </a:lnRef>
-          <a:fillRef idx="1">
-            <a:schemeClr val="accent1"/>
-          </a:fillRef>
-          <a:effectRef idx="0">
-            <a:schemeClr val="accent1"/>
-          </a:effectRef>
-          <a:fontRef idx="minor">
-            <a:schemeClr val="lt1"/>
-          </a:fontRef>
-        </p:style>
-        <p:txBody>
-          <a:bodyPr rtlCol="0" anchor="ctr"/>
-          <a:lstStyle/>
-          <a:p>
-            <a:r>
-              <a:rPr lang="en-US" altLang="zh-CN" sz="1400" dirty="0">
-                <a:latin typeface="Arial Black" panose="020B0A04020102020204" pitchFamily="34" charset="0"/>
-              </a:rPr>
-              <a:t>virtual bool initialize() = 0</a:t>
-            </a:r>
-            <a:endParaRPr lang="zh-CN" altLang="en-US" sz="1400" dirty="0">
-              <a:latin typeface="Arial Black" panose="020B0A04020102020204" pitchFamily="34" charset="0"/>
-            </a:endParaRPr>
-          </a:p>
-        </p:txBody>
-      </p:sp>
-      <p:sp>
-        <p:nvSpPr>
-          <p:cNvPr id="33" name="Rectangle: Rounded Corners 32">
-            <a:extLst>
-              <a:ext uri="{FF2B5EF4-FFF2-40B4-BE49-F238E27FC236}">
-                <a16:creationId xmlns:a16="http://schemas.microsoft.com/office/drawing/2014/main" id="{5388E3C9-445F-4CBE-BFCE-D97AE2EC880C}"/>
-              </a:ext>
-            </a:extLst>
-          </p:cNvPr>
-          <p:cNvSpPr/>
-          <p:nvPr/>
-        </p:nvSpPr>
-        <p:spPr>
-          <a:xfrm>
-            <a:off x="339436" y="1517684"/>
-            <a:ext cx="3556289" cy="334986"/>
-          </a:xfrm>
-          <a:prstGeom prst="roundRect">
-            <a:avLst/>
-          </a:prstGeom>
-          <a:solidFill>
-            <a:schemeClr val="accent3">
-              <a:lumMod val="60000"/>
-              <a:lumOff val="40000"/>
-            </a:schemeClr>
-          </a:solidFill>
-          <a:ln>
-            <a:solidFill>
-              <a:schemeClr val="accent3">
-                <a:lumMod val="20000"/>
-                <a:lumOff val="80000"/>
-              </a:schemeClr>
-            </a:solidFill>
-          </a:ln>
-        </p:spPr>
-        <p:style>
-          <a:lnRef idx="2">
-            <a:schemeClr val="accent1">
-              <a:shade val="50000"/>
-            </a:schemeClr>
-          </a:lnRef>
-          <a:fillRef idx="1">
-            <a:schemeClr val="accent1"/>
-          </a:fillRef>
-          <a:effectRef idx="0">
-            <a:schemeClr val="accent1"/>
-          </a:effectRef>
-          <a:fontRef idx="minor">
-            <a:schemeClr val="lt1"/>
-          </a:fontRef>
-        </p:style>
-        <p:txBody>
-          <a:bodyPr rtlCol="0" anchor="ctr"/>
-          <a:lstStyle/>
-          <a:p>
-            <a:r>
-              <a:rPr lang="en-US" altLang="zh-CN" sz="1400" dirty="0">
-                <a:latin typeface="Arial Black" panose="020B0A04020102020204" pitchFamily="34" charset="0"/>
-              </a:rPr>
-              <a:t>std::string GetLocalIP()</a:t>
-            </a:r>
-            <a:endParaRPr lang="zh-CN" altLang="en-US" sz="1400" dirty="0">
-              <a:latin typeface="Arial Black" panose="020B0A04020102020204" pitchFamily="34" charset="0"/>
-            </a:endParaRPr>
-          </a:p>
-        </p:txBody>
-      </p:sp>
-      <p:sp>
-        <p:nvSpPr>
-          <p:cNvPr id="36" name="Rectangle: Rounded Corners 35">
-            <a:extLst>
-              <a:ext uri="{FF2B5EF4-FFF2-40B4-BE49-F238E27FC236}">
-                <a16:creationId xmlns:a16="http://schemas.microsoft.com/office/drawing/2014/main" id="{48BAE68C-A431-4B0D-886D-0018B65E8EEF}"/>
-              </a:ext>
-            </a:extLst>
-          </p:cNvPr>
-          <p:cNvSpPr/>
-          <p:nvPr/>
-        </p:nvSpPr>
-        <p:spPr>
-          <a:xfrm>
-            <a:off x="339436" y="1897936"/>
-            <a:ext cx="3556289" cy="334986"/>
-          </a:xfrm>
-          <a:prstGeom prst="roundRect">
-            <a:avLst/>
-          </a:prstGeom>
-          <a:solidFill>
-            <a:schemeClr val="accent3">
-              <a:lumMod val="60000"/>
-              <a:lumOff val="40000"/>
-            </a:schemeClr>
-          </a:solidFill>
-          <a:ln>
-            <a:solidFill>
-              <a:schemeClr val="accent3">
-                <a:lumMod val="20000"/>
-                <a:lumOff val="80000"/>
-              </a:schemeClr>
-            </a:solidFill>
-          </a:ln>
-        </p:spPr>
-        <p:style>
-          <a:lnRef idx="2">
-            <a:schemeClr val="accent1">
-              <a:shade val="50000"/>
-            </a:schemeClr>
-          </a:lnRef>
-          <a:fillRef idx="1">
-            <a:schemeClr val="accent1"/>
-          </a:fillRef>
-          <a:effectRef idx="0">
-            <a:schemeClr val="accent1"/>
-          </a:effectRef>
-          <a:fontRef idx="minor">
-            <a:schemeClr val="lt1"/>
-          </a:fontRef>
-        </p:style>
-        <p:txBody>
-          <a:bodyPr rtlCol="0" anchor="ctr"/>
-          <a:lstStyle/>
-          <a:p>
-            <a:r>
-              <a:rPr lang="en-US" altLang="zh-CN" sz="1400" dirty="0">
-                <a:latin typeface="Arial Black" panose="020B0A04020102020204" pitchFamily="34" charset="0"/>
-              </a:rPr>
-              <a:t>Int16_t GetLocalPort ()</a:t>
-            </a:r>
-            <a:endParaRPr lang="zh-CN" altLang="en-US" sz="1400" dirty="0">
-              <a:latin typeface="Arial Black" panose="020B0A04020102020204" pitchFamily="34" charset="0"/>
-            </a:endParaRPr>
-          </a:p>
-        </p:txBody>
-      </p:sp>
-      <p:sp>
-        <p:nvSpPr>
-          <p:cNvPr id="38" name="Rectangle: Rounded Corners 37">
-            <a:extLst>
-              <a:ext uri="{FF2B5EF4-FFF2-40B4-BE49-F238E27FC236}">
-                <a16:creationId xmlns:a16="http://schemas.microsoft.com/office/drawing/2014/main" id="{07162B93-8336-4D19-AD5E-3E2C8CA38A67}"/>
-              </a:ext>
-            </a:extLst>
-          </p:cNvPr>
-          <p:cNvSpPr/>
-          <p:nvPr/>
-        </p:nvSpPr>
-        <p:spPr>
-          <a:xfrm>
-            <a:off x="339436" y="2268284"/>
-            <a:ext cx="3556289" cy="334986"/>
-          </a:xfrm>
-          <a:prstGeom prst="roundRect">
-            <a:avLst/>
-          </a:prstGeom>
-          <a:solidFill>
-            <a:schemeClr val="accent3">
-              <a:lumMod val="60000"/>
-              <a:lumOff val="40000"/>
-            </a:schemeClr>
-          </a:solidFill>
-          <a:ln>
-            <a:solidFill>
-              <a:schemeClr val="accent3">
-                <a:lumMod val="20000"/>
-                <a:lumOff val="80000"/>
-              </a:schemeClr>
-            </a:solidFill>
-          </a:ln>
-        </p:spPr>
-        <p:style>
-          <a:lnRef idx="2">
-            <a:schemeClr val="accent1">
-              <a:shade val="50000"/>
-            </a:schemeClr>
-          </a:lnRef>
-          <a:fillRef idx="1">
-            <a:schemeClr val="accent1"/>
-          </a:fillRef>
-          <a:effectRef idx="0">
-            <a:schemeClr val="accent1"/>
-          </a:effectRef>
-          <a:fontRef idx="minor">
-            <a:schemeClr val="lt1"/>
-          </a:fontRef>
-        </p:style>
-        <p:txBody>
-          <a:bodyPr rtlCol="0" anchor="ctr"/>
-          <a:lstStyle/>
-          <a:p>
-            <a:r>
-              <a:rPr lang="en-US" altLang="zh-CN" sz="1400" dirty="0">
-                <a:latin typeface="Arial Black" panose="020B0A04020102020204" pitchFamily="34" charset="0"/>
-              </a:rPr>
-              <a:t>virtual bool initialize() = 0</a:t>
-            </a:r>
-            <a:endParaRPr lang="zh-CN" altLang="en-US" sz="1400" dirty="0">
-              <a:latin typeface="Arial Black" panose="020B0A04020102020204" pitchFamily="34" charset="0"/>
-            </a:endParaRPr>
-          </a:p>
-        </p:txBody>
-      </p:sp>
-    </p:spTree>
-    <p:extLst>
-      <p:ext uri="{BB962C8B-B14F-4D97-AF65-F5344CB8AC3E}">
-        <p14:creationId xmlns:p14="http://schemas.microsoft.com/office/powerpoint/2010/main" val="1453677507"/>
-      </p:ext>
-    </p:extLst>
-  </p:cSld>
-  <p:clrMapOvr>
-    <a:masterClrMapping/>
-  </p:clrMapOvr>
-</p:sld>
-</file>
-
-<file path=ppt/slides/slide47.xml><?xml version="1.0" encoding="utf-8"?>
-<p:sld xmlns:a="http://schemas.openxmlformats.org/drawingml/2006/main" xmlns:r="http://schemas.openxmlformats.org/officeDocument/2006/relationships" xmlns:p="http://schemas.openxmlformats.org/presentationml/2006/main">
-  <p:cSld>
-    <p:spTree>
-      <p:nvGrpSpPr>
-        <p:cNvPr id="1" name=""/>
-        <p:cNvGrpSpPr/>
-        <p:nvPr/>
-      </p:nvGrpSpPr>
-      <p:grpSpPr>
-        <a:xfrm>
-          <a:off x="0" y="0"/>
-          <a:ext cx="0" cy="0"/>
-          <a:chOff x="0" y="0"/>
-          <a:chExt cx="0" cy="0"/>
-        </a:xfrm>
-      </p:grpSpPr>
-      <p:sp>
-        <p:nvSpPr>
-          <p:cNvPr id="21" name="Rectangle: Rounded Corners 20">
-            <a:extLst>
-              <a:ext uri="{FF2B5EF4-FFF2-40B4-BE49-F238E27FC236}">
-                <a16:creationId xmlns:a16="http://schemas.microsoft.com/office/drawing/2014/main" id="{F65B2436-1F20-4286-82EE-90A01FBFBCF1}"/>
-              </a:ext>
-            </a:extLst>
-          </p:cNvPr>
-          <p:cNvSpPr/>
-          <p:nvPr/>
-        </p:nvSpPr>
-        <p:spPr>
-          <a:xfrm>
-            <a:off x="3602966" y="997780"/>
-            <a:ext cx="1654833" cy="408623"/>
-          </a:xfrm>
-          <a:prstGeom prst="roundRect">
-            <a:avLst/>
-          </a:prstGeom>
-        </p:spPr>
-        <p:style>
-          <a:lnRef idx="1">
-            <a:schemeClr val="accent3"/>
-          </a:lnRef>
-          <a:fillRef idx="2">
-            <a:schemeClr val="accent3"/>
-          </a:fillRef>
-          <a:effectRef idx="1">
-            <a:schemeClr val="accent3"/>
-          </a:effectRef>
-          <a:fontRef idx="minor">
-            <a:schemeClr val="dk1"/>
-          </a:fontRef>
-        </p:style>
-        <p:txBody>
-          <a:bodyPr rtlCol="0" anchor="ctr">
-            <a:spAutoFit/>
-          </a:bodyPr>
-          <a:lstStyle/>
-          <a:p>
-            <a:r>
-              <a:rPr lang="en-US" altLang="zh-CN" dirty="0">
-                <a:latin typeface="Berlin Sans FB Demi" panose="020E0802020502020306" pitchFamily="34" charset="0"/>
-              </a:rPr>
-              <a:t>UDP mode</a:t>
-            </a:r>
-            <a:endParaRPr lang="zh-CN" altLang="en-US" dirty="0">
-              <a:latin typeface="Berlin Sans FB Demi" panose="020E0802020502020306" pitchFamily="34" charset="0"/>
-            </a:endParaRPr>
-          </a:p>
-        </p:txBody>
-      </p:sp>
-      <p:sp>
-        <p:nvSpPr>
-          <p:cNvPr id="39" name="Rectangle: Rounded Corners 38">
-            <a:extLst>
-              <a:ext uri="{FF2B5EF4-FFF2-40B4-BE49-F238E27FC236}">
-                <a16:creationId xmlns:a16="http://schemas.microsoft.com/office/drawing/2014/main" id="{D8B6EF3A-85A8-46F3-9DDB-B2A0CB7E9198}"/>
-              </a:ext>
-            </a:extLst>
-          </p:cNvPr>
-          <p:cNvSpPr/>
-          <p:nvPr/>
-        </p:nvSpPr>
-        <p:spPr>
-          <a:xfrm>
-            <a:off x="7413915" y="1406404"/>
-            <a:ext cx="2762805" cy="408623"/>
-          </a:xfrm>
-          <a:prstGeom prst="roundRect">
-            <a:avLst/>
-          </a:prstGeom>
-        </p:spPr>
-        <p:style>
-          <a:lnRef idx="1">
-            <a:schemeClr val="accent3"/>
-          </a:lnRef>
-          <a:fillRef idx="2">
-            <a:schemeClr val="accent3"/>
-          </a:fillRef>
-          <a:effectRef idx="1">
-            <a:schemeClr val="accent3"/>
-          </a:effectRef>
-          <a:fontRef idx="minor">
-            <a:schemeClr val="dk1"/>
-          </a:fontRef>
-        </p:style>
-        <p:txBody>
-          <a:bodyPr rtlCol="0" anchor="ctr">
-            <a:spAutoFit/>
-          </a:bodyPr>
-          <a:lstStyle/>
-          <a:p>
-            <a:pPr algn="ctr"/>
-            <a:r>
-              <a:rPr lang="en-US" altLang="zh-CN" dirty="0">
-                <a:latin typeface="Berlin Sans FB Demi" panose="020E0802020502020306" pitchFamily="34" charset="0"/>
-              </a:rPr>
-              <a:t>HOST with TCP mode</a:t>
-            </a:r>
-            <a:endParaRPr lang="zh-CN" altLang="en-US" dirty="0">
-              <a:latin typeface="Berlin Sans FB Demi" panose="020E0802020502020306" pitchFamily="34" charset="0"/>
-            </a:endParaRPr>
-          </a:p>
-        </p:txBody>
-      </p:sp>
-      <p:sp>
-        <p:nvSpPr>
-          <p:cNvPr id="41" name="Rectangle: Rounded Corners 40">
-            <a:extLst>
-              <a:ext uri="{FF2B5EF4-FFF2-40B4-BE49-F238E27FC236}">
-                <a16:creationId xmlns:a16="http://schemas.microsoft.com/office/drawing/2014/main" id="{0FBA3F69-7837-4CA3-8D35-6D3B0B2231BB}"/>
-              </a:ext>
-            </a:extLst>
-          </p:cNvPr>
-          <p:cNvSpPr/>
-          <p:nvPr/>
-        </p:nvSpPr>
-        <p:spPr>
-          <a:xfrm>
-            <a:off x="6747556" y="2033666"/>
-            <a:ext cx="1886898" cy="408623"/>
-          </a:xfrm>
-          <a:prstGeom prst="roundRect">
-            <a:avLst/>
-          </a:prstGeom>
-        </p:spPr>
-        <p:style>
-          <a:lnRef idx="1">
-            <a:schemeClr val="accent3"/>
-          </a:lnRef>
-          <a:fillRef idx="2">
-            <a:schemeClr val="accent3"/>
-          </a:fillRef>
-          <a:effectRef idx="1">
-            <a:schemeClr val="accent3"/>
-          </a:effectRef>
-          <a:fontRef idx="minor">
-            <a:schemeClr val="dk1"/>
-          </a:fontRef>
-        </p:style>
-        <p:txBody>
-          <a:bodyPr rtlCol="0" anchor="ctr">
-            <a:spAutoFit/>
-          </a:bodyPr>
-          <a:lstStyle/>
-          <a:p>
-            <a:pPr algn="ctr"/>
-            <a:r>
-              <a:rPr lang="en-US" altLang="zh-CN" dirty="0">
-                <a:latin typeface="Berlin Sans FB Demi" panose="020E0802020502020306" pitchFamily="34" charset="0"/>
-              </a:rPr>
-              <a:t>passivestream</a:t>
-            </a:r>
-            <a:endParaRPr lang="zh-CN" altLang="en-US" dirty="0">
-              <a:latin typeface="Berlin Sans FB Demi" panose="020E0802020502020306" pitchFamily="34" charset="0"/>
-            </a:endParaRPr>
-          </a:p>
-        </p:txBody>
-      </p:sp>
-      <p:sp>
-        <p:nvSpPr>
-          <p:cNvPr id="43" name="Rectangle: Rounded Corners 42">
-            <a:extLst>
-              <a:ext uri="{FF2B5EF4-FFF2-40B4-BE49-F238E27FC236}">
-                <a16:creationId xmlns:a16="http://schemas.microsoft.com/office/drawing/2014/main" id="{161CBF48-2FED-4841-B7C9-14B754B32357}"/>
-              </a:ext>
-            </a:extLst>
-          </p:cNvPr>
-          <p:cNvSpPr/>
-          <p:nvPr/>
-        </p:nvSpPr>
-        <p:spPr>
-          <a:xfrm>
-            <a:off x="9043947" y="2033666"/>
-            <a:ext cx="1654833" cy="408623"/>
-          </a:xfrm>
-          <a:prstGeom prst="roundRect">
-            <a:avLst/>
-          </a:prstGeom>
-        </p:spPr>
-        <p:style>
-          <a:lnRef idx="1">
-            <a:schemeClr val="accent3"/>
-          </a:lnRef>
-          <a:fillRef idx="2">
-            <a:schemeClr val="accent3"/>
-          </a:fillRef>
-          <a:effectRef idx="1">
-            <a:schemeClr val="accent3"/>
-          </a:effectRef>
-          <a:fontRef idx="minor">
-            <a:schemeClr val="dk1"/>
-          </a:fontRef>
-        </p:style>
-        <p:txBody>
-          <a:bodyPr rtlCol="0" anchor="ctr">
-            <a:spAutoFit/>
-          </a:bodyPr>
-          <a:lstStyle/>
-          <a:p>
-            <a:pPr algn="ctr"/>
-            <a:r>
-              <a:rPr lang="en-US" altLang="zh-CN" dirty="0">
-                <a:latin typeface="Berlin Sans FB Demi" panose="020E0802020502020306" pitchFamily="34" charset="0"/>
-              </a:rPr>
-              <a:t>activestream</a:t>
-            </a:r>
-            <a:endParaRPr lang="zh-CN" altLang="en-US" dirty="0">
-              <a:latin typeface="Berlin Sans FB Demi" panose="020E0802020502020306" pitchFamily="34" charset="0"/>
-            </a:endParaRPr>
-          </a:p>
-        </p:txBody>
-      </p:sp>
-      <p:sp>
-        <p:nvSpPr>
-          <p:cNvPr id="47" name="Rectangle: Rounded Corners 46">
-            <a:extLst>
-              <a:ext uri="{FF2B5EF4-FFF2-40B4-BE49-F238E27FC236}">
-                <a16:creationId xmlns:a16="http://schemas.microsoft.com/office/drawing/2014/main" id="{1F328B9A-9F38-4A99-8823-E1362167F3DE}"/>
-              </a:ext>
-            </a:extLst>
-          </p:cNvPr>
-          <p:cNvSpPr/>
-          <p:nvPr/>
-        </p:nvSpPr>
-        <p:spPr>
-          <a:xfrm>
-            <a:off x="2217511" y="3467183"/>
-            <a:ext cx="1575171" cy="408623"/>
-          </a:xfrm>
-          <a:prstGeom prst="roundRect">
-            <a:avLst/>
-          </a:prstGeom>
-        </p:spPr>
-        <p:style>
-          <a:lnRef idx="1">
-            <a:schemeClr val="accent3"/>
-          </a:lnRef>
-          <a:fillRef idx="2">
-            <a:schemeClr val="accent3"/>
-          </a:fillRef>
-          <a:effectRef idx="1">
-            <a:schemeClr val="accent3"/>
-          </a:effectRef>
-          <a:fontRef idx="minor">
-            <a:schemeClr val="dk1"/>
-          </a:fontRef>
-        </p:style>
-        <p:txBody>
-          <a:bodyPr rtlCol="0" anchor="ctr">
-            <a:spAutoFit/>
-          </a:bodyPr>
-          <a:lstStyle/>
-          <a:p>
-            <a:r>
-              <a:rPr lang="en-US" altLang="zh-CN" dirty="0">
-                <a:latin typeface="Berlin Sans FB Demi" panose="020E0802020502020306" pitchFamily="34" charset="0"/>
-              </a:rPr>
-              <a:t>multiplexing </a:t>
-            </a:r>
-          </a:p>
-        </p:txBody>
-      </p:sp>
-      <p:sp>
-        <p:nvSpPr>
-          <p:cNvPr id="49" name="Rectangle: Rounded Corners 48">
-            <a:extLst>
-              <a:ext uri="{FF2B5EF4-FFF2-40B4-BE49-F238E27FC236}">
-                <a16:creationId xmlns:a16="http://schemas.microsoft.com/office/drawing/2014/main" id="{ADBB303A-D1BD-4912-938E-14B955DDF743}"/>
-              </a:ext>
-            </a:extLst>
-          </p:cNvPr>
-          <p:cNvSpPr/>
-          <p:nvPr/>
-        </p:nvSpPr>
-        <p:spPr>
-          <a:xfrm>
-            <a:off x="1656402" y="997781"/>
-            <a:ext cx="1575171" cy="408623"/>
-          </a:xfrm>
-          <a:prstGeom prst="roundRect">
-            <a:avLst/>
-          </a:prstGeom>
-        </p:spPr>
-        <p:style>
-          <a:lnRef idx="1">
-            <a:schemeClr val="accent3"/>
-          </a:lnRef>
-          <a:fillRef idx="2">
-            <a:schemeClr val="accent3"/>
-          </a:fillRef>
-          <a:effectRef idx="1">
-            <a:schemeClr val="accent3"/>
-          </a:effectRef>
-          <a:fontRef idx="minor">
-            <a:schemeClr val="dk1"/>
-          </a:fontRef>
-        </p:style>
-        <p:txBody>
-          <a:bodyPr rtlCol="0" anchor="ctr">
-            <a:spAutoFit/>
-          </a:bodyPr>
-          <a:lstStyle/>
-          <a:p>
-            <a:r>
-              <a:rPr lang="en-US" altLang="zh-CN" dirty="0">
-                <a:latin typeface="Berlin Sans FB Demi" panose="020E0802020502020306" pitchFamily="34" charset="0"/>
-              </a:rPr>
-              <a:t>UDP mode</a:t>
-            </a:r>
-            <a:endParaRPr lang="zh-CN" altLang="en-US" dirty="0">
-              <a:latin typeface="Berlin Sans FB Demi" panose="020E0802020502020306" pitchFamily="34" charset="0"/>
-            </a:endParaRPr>
-          </a:p>
-        </p:txBody>
-      </p:sp>
-    </p:spTree>
-    <p:extLst>
-      <p:ext uri="{BB962C8B-B14F-4D97-AF65-F5344CB8AC3E}">
-        <p14:creationId xmlns:p14="http://schemas.microsoft.com/office/powerpoint/2010/main" val="3662262798"/>
-      </p:ext>
-    </p:extLst>
-  </p:cSld>
-  <p:clrMapOvr>
-    <a:masterClrMapping/>
-  </p:clrMapOvr>
-</p:sld>
-</file>
-
-<file path=ppt/slides/slide48.xml><?xml version="1.0" encoding="utf-8"?>
-<p:sld xmlns:a="http://schemas.openxmlformats.org/drawingml/2006/main" xmlns:r="http://schemas.openxmlformats.org/officeDocument/2006/relationships" xmlns:p="http://schemas.openxmlformats.org/presentationml/2006/main">
-  <p:cSld>
-    <p:spTree>
-      <p:nvGrpSpPr>
-        <p:cNvPr id="1" name=""/>
-        <p:cNvGrpSpPr/>
-        <p:nvPr/>
-      </p:nvGrpSpPr>
-      <p:grpSpPr>
-        <a:xfrm>
-          <a:off x="0" y="0"/>
-          <a:ext cx="0" cy="0"/>
-          <a:chOff x="0" y="0"/>
-          <a:chExt cx="0" cy="0"/>
-        </a:xfrm>
-      </p:grpSpPr>
-      <p:sp>
-        <p:nvSpPr>
           <p:cNvPr id="21" name="Rectangle: Rounded Corners 20">
             <a:extLst>
               <a:ext uri="{FF2B5EF4-FFF2-40B4-BE49-F238E27FC236}">
@@ -45220,7 +44302,7 @@
 </p:sld>
 </file>
 
-<file path=ppt/slides/slide49.xml><?xml version="1.0" encoding="utf-8"?>
+<file path=ppt/slides/slide47.xml><?xml version="1.0" encoding="utf-8"?>
 <p:sld xmlns:a="http://schemas.openxmlformats.org/drawingml/2006/main" xmlns:r="http://schemas.openxmlformats.org/officeDocument/2006/relationships" xmlns:p="http://schemas.openxmlformats.org/presentationml/2006/main">
   <p:cSld>
     <p:spTree>
@@ -45432,6 +44514,439 @@
     <p:extLst>
       <p:ext uri="{BB962C8B-B14F-4D97-AF65-F5344CB8AC3E}">
         <p14:creationId xmlns:p14="http://schemas.microsoft.com/office/powerpoint/2010/main" val="2128382126"/>
+      </p:ext>
+    </p:extLst>
+  </p:cSld>
+  <p:clrMapOvr>
+    <a:masterClrMapping/>
+  </p:clrMapOvr>
+</p:sld>
+</file>
+
+<file path=ppt/slides/slide48.xml><?xml version="1.0" encoding="utf-8"?>
+<p:sld xmlns:a="http://schemas.openxmlformats.org/drawingml/2006/main" xmlns:r="http://schemas.openxmlformats.org/officeDocument/2006/relationships" xmlns:p="http://schemas.openxmlformats.org/presentationml/2006/main">
+  <p:cSld>
+    <p:spTree>
+      <p:nvGrpSpPr>
+        <p:cNvPr id="1" name=""/>
+        <p:cNvGrpSpPr/>
+        <p:nvPr/>
+      </p:nvGrpSpPr>
+      <p:grpSpPr>
+        <a:xfrm>
+          <a:off x="0" y="0"/>
+          <a:ext cx="0" cy="0"/>
+          <a:chOff x="0" y="0"/>
+          <a:chExt cx="0" cy="0"/>
+        </a:xfrm>
+      </p:grpSpPr>
+      <p:sp>
+        <p:nvSpPr>
+          <p:cNvPr id="6" name="Rectangle: Rounded Corners 5">
+            <a:extLst>
+              <a:ext uri="{FF2B5EF4-FFF2-40B4-BE49-F238E27FC236}">
+                <a16:creationId xmlns:a16="http://schemas.microsoft.com/office/drawing/2014/main" id="{ED359951-1E2E-4D37-B183-A60C6703BF0D}"/>
+              </a:ext>
+            </a:extLst>
+          </p:cNvPr>
+          <p:cNvSpPr/>
+          <p:nvPr/>
+        </p:nvSpPr>
+        <p:spPr>
+          <a:xfrm>
+            <a:off x="88619" y="319248"/>
+            <a:ext cx="11998278" cy="6219504"/>
+          </a:xfrm>
+          <a:prstGeom prst="roundRect">
+            <a:avLst>
+              <a:gd name="adj" fmla="val 2100"/>
+            </a:avLst>
+          </a:prstGeom>
+          <a:gradFill flip="none" rotWithShape="1">
+            <a:gsLst>
+              <a:gs pos="0">
+                <a:schemeClr val="accent3">
+                  <a:tint val="10000"/>
+                  <a:satMod val="300000"/>
+                </a:schemeClr>
+              </a:gs>
+              <a:gs pos="34000">
+                <a:schemeClr val="accent3">
+                  <a:tint val="13500"/>
+                  <a:satMod val="250000"/>
+                </a:schemeClr>
+              </a:gs>
+              <a:gs pos="100000">
+                <a:schemeClr val="accent3">
+                  <a:tint val="60000"/>
+                  <a:satMod val="200000"/>
+                </a:schemeClr>
+              </a:gs>
+            </a:gsLst>
+            <a:path path="rect">
+              <a:fillToRect l="100000" t="100000"/>
+            </a:path>
+            <a:tileRect r="-100000" b="-100000"/>
+          </a:gradFill>
+          <a:ln>
+            <a:round/>
+          </a:ln>
+        </p:spPr>
+        <p:style>
+          <a:lnRef idx="1">
+            <a:schemeClr val="accent3"/>
+          </a:lnRef>
+          <a:fillRef idx="2">
+            <a:schemeClr val="accent3"/>
+          </a:fillRef>
+          <a:effectRef idx="1">
+            <a:schemeClr val="accent3"/>
+          </a:effectRef>
+          <a:fontRef idx="minor">
+            <a:schemeClr val="dk1"/>
+          </a:fontRef>
+        </p:style>
+        <p:txBody>
+          <a:bodyPr rtlCol="0" anchor="t" anchorCtr="0">
+            <a:noAutofit/>
+          </a:bodyPr>
+          <a:lstStyle/>
+          <a:p>
+            <a:pPr algn="ctr"/>
+            <a:r>
+              <a:rPr lang="en-US" altLang="zh-CN" sz="2400" dirty="0">
+                <a:latin typeface="Berlin Sans FB Demi" panose="020E0802020502020306" pitchFamily="34" charset="0"/>
+              </a:rPr>
+              <a:t>ICEStream</a:t>
+            </a:r>
+            <a:endParaRPr lang="zh-CN" altLang="en-US" sz="2400" dirty="0">
+              <a:latin typeface="Berlin Sans FB Demi" panose="020E0802020502020306" pitchFamily="34" charset="0"/>
+            </a:endParaRPr>
+          </a:p>
+        </p:txBody>
+      </p:sp>
+      <p:sp>
+        <p:nvSpPr>
+          <p:cNvPr id="25" name="Rectangle: Rounded Corners 24">
+            <a:extLst>
+              <a:ext uri="{FF2B5EF4-FFF2-40B4-BE49-F238E27FC236}">
+                <a16:creationId xmlns:a16="http://schemas.microsoft.com/office/drawing/2014/main" id="{019C4452-3721-49D3-8A77-FCEDDE8F2DB8}"/>
+              </a:ext>
+            </a:extLst>
+          </p:cNvPr>
+          <p:cNvSpPr/>
+          <p:nvPr/>
+        </p:nvSpPr>
+        <p:spPr>
+          <a:xfrm>
+            <a:off x="283914" y="1062628"/>
+            <a:ext cx="1587286" cy="408623"/>
+          </a:xfrm>
+          <a:prstGeom prst="roundRect">
+            <a:avLst/>
+          </a:prstGeom>
+        </p:spPr>
+        <p:style>
+          <a:lnRef idx="1">
+            <a:schemeClr val="accent3"/>
+          </a:lnRef>
+          <a:fillRef idx="2">
+            <a:schemeClr val="accent3"/>
+          </a:fillRef>
+          <a:effectRef idx="1">
+            <a:schemeClr val="accent3"/>
+          </a:effectRef>
+          <a:fontRef idx="minor">
+            <a:schemeClr val="dk1"/>
+          </a:fontRef>
+        </p:style>
+        <p:txBody>
+          <a:bodyPr rtlCol="0" anchor="ctr">
+            <a:spAutoFit/>
+          </a:bodyPr>
+          <a:lstStyle/>
+          <a:p>
+            <a:r>
+              <a:rPr lang="en-US" altLang="zh-CN" dirty="0">
+                <a:latin typeface="Berlin Sans FB Demi" panose="020E0802020502020306" pitchFamily="34" charset="0"/>
+              </a:rPr>
+              <a:t>componet_id</a:t>
+            </a:r>
+            <a:endParaRPr lang="zh-CN" altLang="en-US" dirty="0">
+              <a:latin typeface="Berlin Sans FB Demi" panose="020E0802020502020306" pitchFamily="34" charset="0"/>
+            </a:endParaRPr>
+          </a:p>
+        </p:txBody>
+      </p:sp>
+      <p:sp>
+        <p:nvSpPr>
+          <p:cNvPr id="20" name="Rectangle: Rounded Corners 19">
+            <a:extLst>
+              <a:ext uri="{FF2B5EF4-FFF2-40B4-BE49-F238E27FC236}">
+                <a16:creationId xmlns:a16="http://schemas.microsoft.com/office/drawing/2014/main" id="{497F7D75-B0F1-49A5-A955-AF3F4398F876}"/>
+              </a:ext>
+            </a:extLst>
+          </p:cNvPr>
+          <p:cNvSpPr/>
+          <p:nvPr/>
+        </p:nvSpPr>
+        <p:spPr>
+          <a:xfrm>
+            <a:off x="367997" y="2848587"/>
+            <a:ext cx="2121845" cy="408623"/>
+          </a:xfrm>
+          <a:prstGeom prst="roundRect">
+            <a:avLst/>
+          </a:prstGeom>
+        </p:spPr>
+        <p:style>
+          <a:lnRef idx="1">
+            <a:schemeClr val="accent3"/>
+          </a:lnRef>
+          <a:fillRef idx="2">
+            <a:schemeClr val="accent3"/>
+          </a:fillRef>
+          <a:effectRef idx="1">
+            <a:schemeClr val="accent3"/>
+          </a:effectRef>
+          <a:fontRef idx="minor">
+            <a:schemeClr val="dk1"/>
+          </a:fontRef>
+        </p:style>
+        <p:txBody>
+          <a:bodyPr wrap="square" rtlCol="0" anchor="ctr">
+            <a:spAutoFit/>
+          </a:bodyPr>
+          <a:lstStyle/>
+          <a:p>
+            <a:r>
+              <a:rPr lang="en-US" altLang="zh-CN" dirty="0">
+                <a:latin typeface="Berlin Sans FB Demi" panose="020E0802020502020306" pitchFamily="34" charset="0"/>
+              </a:rPr>
+              <a:t>candidateChannel</a:t>
+            </a:r>
+            <a:endParaRPr lang="zh-CN" altLang="en-US" dirty="0">
+              <a:latin typeface="Berlin Sans FB Demi" panose="020E0802020502020306" pitchFamily="34" charset="0"/>
+            </a:endParaRPr>
+          </a:p>
+        </p:txBody>
+      </p:sp>
+      <p:sp>
+        <p:nvSpPr>
+          <p:cNvPr id="7" name="Rectangle: Rounded Corners 6">
+            <a:extLst>
+              <a:ext uri="{FF2B5EF4-FFF2-40B4-BE49-F238E27FC236}">
+                <a16:creationId xmlns:a16="http://schemas.microsoft.com/office/drawing/2014/main" id="{F42EAD11-3ADE-4091-A4AF-DB356B99B911}"/>
+              </a:ext>
+            </a:extLst>
+          </p:cNvPr>
+          <p:cNvSpPr/>
+          <p:nvPr/>
+        </p:nvSpPr>
+        <p:spPr>
+          <a:xfrm>
+            <a:off x="3169004" y="1861253"/>
+            <a:ext cx="1487081" cy="408623"/>
+          </a:xfrm>
+          <a:prstGeom prst="roundRect">
+            <a:avLst/>
+          </a:prstGeom>
+        </p:spPr>
+        <p:style>
+          <a:lnRef idx="1">
+            <a:schemeClr val="accent3"/>
+          </a:lnRef>
+          <a:fillRef idx="2">
+            <a:schemeClr val="accent3"/>
+          </a:fillRef>
+          <a:effectRef idx="1">
+            <a:schemeClr val="accent3"/>
+          </a:effectRef>
+          <a:fontRef idx="minor">
+            <a:schemeClr val="dk1"/>
+          </a:fontRef>
+        </p:style>
+        <p:txBody>
+          <a:bodyPr wrap="square" rtlCol="0" anchor="ctr">
+            <a:spAutoFit/>
+          </a:bodyPr>
+          <a:lstStyle/>
+          <a:p>
+            <a:r>
+              <a:rPr lang="en-US" altLang="zh-CN" dirty="0">
+                <a:latin typeface="Berlin Sans FB Demi" panose="020E0802020502020306" pitchFamily="34" charset="0"/>
+              </a:rPr>
+              <a:t>sendThread</a:t>
+            </a:r>
+            <a:endParaRPr lang="zh-CN" altLang="en-US" dirty="0">
+              <a:latin typeface="Berlin Sans FB Demi" panose="020E0802020502020306" pitchFamily="34" charset="0"/>
+            </a:endParaRPr>
+          </a:p>
+        </p:txBody>
+      </p:sp>
+      <p:sp>
+        <p:nvSpPr>
+          <p:cNvPr id="8" name="Rectangle: Rounded Corners 7">
+            <a:extLst>
+              <a:ext uri="{FF2B5EF4-FFF2-40B4-BE49-F238E27FC236}">
+                <a16:creationId xmlns:a16="http://schemas.microsoft.com/office/drawing/2014/main" id="{3E69B4BA-F1B8-4233-B543-08BCB000323F}"/>
+              </a:ext>
+            </a:extLst>
+          </p:cNvPr>
+          <p:cNvSpPr/>
+          <p:nvPr/>
+        </p:nvSpPr>
+        <p:spPr>
+          <a:xfrm>
+            <a:off x="3169004" y="2439964"/>
+            <a:ext cx="1487081" cy="408623"/>
+          </a:xfrm>
+          <a:prstGeom prst="roundRect">
+            <a:avLst/>
+          </a:prstGeom>
+        </p:spPr>
+        <p:style>
+          <a:lnRef idx="1">
+            <a:schemeClr val="accent3"/>
+          </a:lnRef>
+          <a:fillRef idx="2">
+            <a:schemeClr val="accent3"/>
+          </a:fillRef>
+          <a:effectRef idx="1">
+            <a:schemeClr val="accent3"/>
+          </a:effectRef>
+          <a:fontRef idx="minor">
+            <a:schemeClr val="dk1"/>
+          </a:fontRef>
+        </p:style>
+        <p:txBody>
+          <a:bodyPr wrap="square" rtlCol="0" anchor="ctr">
+            <a:spAutoFit/>
+          </a:bodyPr>
+          <a:lstStyle/>
+          <a:p>
+            <a:r>
+              <a:rPr lang="en-US" altLang="zh-CN" dirty="0">
+                <a:latin typeface="Berlin Sans FB Demi" panose="020E0802020502020306" pitchFamily="34" charset="0"/>
+              </a:rPr>
+              <a:t>recvThread</a:t>
+            </a:r>
+            <a:endParaRPr lang="zh-CN" altLang="en-US" dirty="0">
+              <a:latin typeface="Berlin Sans FB Demi" panose="020E0802020502020306" pitchFamily="34" charset="0"/>
+            </a:endParaRPr>
+          </a:p>
+        </p:txBody>
+      </p:sp>
+      <p:sp>
+        <p:nvSpPr>
+          <p:cNvPr id="9" name="Rectangle: Rounded Corners 8">
+            <a:extLst>
+              <a:ext uri="{FF2B5EF4-FFF2-40B4-BE49-F238E27FC236}">
+                <a16:creationId xmlns:a16="http://schemas.microsoft.com/office/drawing/2014/main" id="{D338E2E6-8D4C-4360-AB08-5BD0C8173568}"/>
+              </a:ext>
+            </a:extLst>
+          </p:cNvPr>
+          <p:cNvSpPr/>
+          <p:nvPr/>
+        </p:nvSpPr>
+        <p:spPr>
+          <a:xfrm>
+            <a:off x="3169002" y="3020377"/>
+            <a:ext cx="1487081" cy="408623"/>
+          </a:xfrm>
+          <a:prstGeom prst="roundRect">
+            <a:avLst/>
+          </a:prstGeom>
+        </p:spPr>
+        <p:style>
+          <a:lnRef idx="1">
+            <a:schemeClr val="accent3"/>
+          </a:lnRef>
+          <a:fillRef idx="2">
+            <a:schemeClr val="accent3"/>
+          </a:fillRef>
+          <a:effectRef idx="1">
+            <a:schemeClr val="accent3"/>
+          </a:effectRef>
+          <a:fontRef idx="minor">
+            <a:schemeClr val="dk1"/>
+          </a:fontRef>
+        </p:style>
+        <p:txBody>
+          <a:bodyPr wrap="square" rtlCol="0" anchor="ctr">
+            <a:spAutoFit/>
+          </a:bodyPr>
+          <a:lstStyle/>
+          <a:p>
+            <a:r>
+              <a:rPr lang="en-US" altLang="zh-CN" dirty="0">
+                <a:latin typeface="Berlin Sans FB Demi" panose="020E0802020502020306" pitchFamily="34" charset="0"/>
+              </a:rPr>
+              <a:t>recvBuffer</a:t>
+            </a:r>
+            <a:endParaRPr lang="zh-CN" altLang="en-US" dirty="0">
+              <a:latin typeface="Berlin Sans FB Demi" panose="020E0802020502020306" pitchFamily="34" charset="0"/>
+            </a:endParaRPr>
+          </a:p>
+        </p:txBody>
+      </p:sp>
+      <p:sp>
+        <p:nvSpPr>
+          <p:cNvPr id="10" name="Rectangle: Rounded Corners 9">
+            <a:extLst>
+              <a:ext uri="{FF2B5EF4-FFF2-40B4-BE49-F238E27FC236}">
+                <a16:creationId xmlns:a16="http://schemas.microsoft.com/office/drawing/2014/main" id="{9130B77C-A5FF-4021-BBE9-E22DD786A051}"/>
+              </a:ext>
+            </a:extLst>
+          </p:cNvPr>
+          <p:cNvSpPr/>
+          <p:nvPr/>
+        </p:nvSpPr>
+        <p:spPr>
+          <a:xfrm>
+            <a:off x="3169001" y="3600791"/>
+            <a:ext cx="1487081" cy="408623"/>
+          </a:xfrm>
+          <a:prstGeom prst="roundRect">
+            <a:avLst/>
+          </a:prstGeom>
+        </p:spPr>
+        <p:style>
+          <a:lnRef idx="1">
+            <a:schemeClr val="accent3"/>
+          </a:lnRef>
+          <a:fillRef idx="2">
+            <a:schemeClr val="accent3"/>
+          </a:fillRef>
+          <a:effectRef idx="1">
+            <a:schemeClr val="accent3"/>
+          </a:effectRef>
+          <a:fontRef idx="minor">
+            <a:schemeClr val="dk1"/>
+          </a:fontRef>
+        </p:style>
+        <p:txBody>
+          <a:bodyPr wrap="square" rtlCol="0" anchor="ctr">
+            <a:spAutoFit/>
+          </a:bodyPr>
+          <a:lstStyle/>
+          <a:p>
+            <a:r>
+              <a:rPr lang="en-US" altLang="zh-CN" dirty="0">
+                <a:latin typeface="Berlin Sans FB Demi" panose="020E0802020502020306" pitchFamily="34" charset="0"/>
+              </a:rPr>
+              <a:t>sendBuffer</a:t>
+            </a:r>
+            <a:endParaRPr lang="zh-CN" altLang="en-US" dirty="0">
+              <a:latin typeface="Berlin Sans FB Demi" panose="020E0802020502020306" pitchFamily="34" charset="0"/>
+            </a:endParaRPr>
+          </a:p>
+        </p:txBody>
+      </p:sp>
+    </p:spTree>
+    <p:extLst>
+      <p:ext uri="{BB962C8B-B14F-4D97-AF65-F5344CB8AC3E}">
+        <p14:creationId xmlns:p14="http://schemas.microsoft.com/office/powerpoint/2010/main" val="640594837"/>
       </p:ext>
     </p:extLst>
   </p:cSld>
@@ -46244,227 +45759,6 @@
     <p:extLst>
       <p:ext uri="{BB962C8B-B14F-4D97-AF65-F5344CB8AC3E}">
         <p14:creationId xmlns:p14="http://schemas.microsoft.com/office/powerpoint/2010/main" val="3801931085"/>
-      </p:ext>
-    </p:extLst>
-  </p:cSld>
-  <p:clrMapOvr>
-    <a:masterClrMapping/>
-  </p:clrMapOvr>
-</p:sld>
-</file>
-
-<file path=ppt/slides/slide50.xml><?xml version="1.0" encoding="utf-8"?>
-<p:sld xmlns:a="http://schemas.openxmlformats.org/drawingml/2006/main" xmlns:r="http://schemas.openxmlformats.org/officeDocument/2006/relationships" xmlns:p="http://schemas.openxmlformats.org/presentationml/2006/main">
-  <p:cSld>
-    <p:spTree>
-      <p:nvGrpSpPr>
-        <p:cNvPr id="1" name=""/>
-        <p:cNvGrpSpPr/>
-        <p:nvPr/>
-      </p:nvGrpSpPr>
-      <p:grpSpPr>
-        <a:xfrm>
-          <a:off x="0" y="0"/>
-          <a:ext cx="0" cy="0"/>
-          <a:chOff x="0" y="0"/>
-          <a:chExt cx="0" cy="0"/>
-        </a:xfrm>
-      </p:grpSpPr>
-      <p:sp>
-        <p:nvSpPr>
-          <p:cNvPr id="6" name="Rectangle: Rounded Corners 5">
-            <a:extLst>
-              <a:ext uri="{FF2B5EF4-FFF2-40B4-BE49-F238E27FC236}">
-                <a16:creationId xmlns:a16="http://schemas.microsoft.com/office/drawing/2014/main" id="{ED359951-1E2E-4D37-B183-A60C6703BF0D}"/>
-              </a:ext>
-            </a:extLst>
-          </p:cNvPr>
-          <p:cNvSpPr/>
-          <p:nvPr/>
-        </p:nvSpPr>
-        <p:spPr>
-          <a:xfrm>
-            <a:off x="88619" y="319248"/>
-            <a:ext cx="11467652" cy="6219504"/>
-          </a:xfrm>
-          <a:prstGeom prst="roundRect">
-            <a:avLst>
-              <a:gd name="adj" fmla="val 2100"/>
-            </a:avLst>
-          </a:prstGeom>
-          <a:gradFill flip="none" rotWithShape="1">
-            <a:gsLst>
-              <a:gs pos="0">
-                <a:schemeClr val="accent3">
-                  <a:tint val="10000"/>
-                  <a:satMod val="300000"/>
-                </a:schemeClr>
-              </a:gs>
-              <a:gs pos="34000">
-                <a:schemeClr val="accent3">
-                  <a:tint val="13500"/>
-                  <a:satMod val="250000"/>
-                </a:schemeClr>
-              </a:gs>
-              <a:gs pos="100000">
-                <a:schemeClr val="accent3">
-                  <a:tint val="60000"/>
-                  <a:satMod val="200000"/>
-                </a:schemeClr>
-              </a:gs>
-            </a:gsLst>
-            <a:path path="rect">
-              <a:fillToRect l="100000" t="100000"/>
-            </a:path>
-            <a:tileRect r="-100000" b="-100000"/>
-          </a:gradFill>
-          <a:ln>
-            <a:round/>
-          </a:ln>
-        </p:spPr>
-        <p:style>
-          <a:lnRef idx="1">
-            <a:schemeClr val="accent3"/>
-          </a:lnRef>
-          <a:fillRef idx="2">
-            <a:schemeClr val="accent3"/>
-          </a:fillRef>
-          <a:effectRef idx="1">
-            <a:schemeClr val="accent3"/>
-          </a:effectRef>
-          <a:fontRef idx="minor">
-            <a:schemeClr val="dk1"/>
-          </a:fontRef>
-        </p:style>
-        <p:txBody>
-          <a:bodyPr rtlCol="0" anchor="t" anchorCtr="0">
-            <a:noAutofit/>
-          </a:bodyPr>
-          <a:lstStyle/>
-          <a:p>
-            <a:pPr algn="ctr"/>
-            <a:r>
-              <a:rPr lang="en-US" altLang="zh-CN" sz="2400" dirty="0">
-                <a:latin typeface="Berlin Sans FB Demi" panose="020E0802020502020306" pitchFamily="34" charset="0"/>
-              </a:rPr>
-              <a:t>ICEStream</a:t>
-            </a:r>
-            <a:endParaRPr lang="zh-CN" altLang="en-US" sz="2400" dirty="0">
-              <a:latin typeface="Berlin Sans FB Demi" panose="020E0802020502020306" pitchFamily="34" charset="0"/>
-            </a:endParaRPr>
-          </a:p>
-        </p:txBody>
-      </p:sp>
-      <p:sp>
-        <p:nvSpPr>
-          <p:cNvPr id="25" name="Rectangle: Rounded Corners 24">
-            <a:extLst>
-              <a:ext uri="{FF2B5EF4-FFF2-40B4-BE49-F238E27FC236}">
-                <a16:creationId xmlns:a16="http://schemas.microsoft.com/office/drawing/2014/main" id="{019C4452-3721-49D3-8A77-FCEDDE8F2DB8}"/>
-              </a:ext>
-            </a:extLst>
-          </p:cNvPr>
-          <p:cNvSpPr/>
-          <p:nvPr/>
-        </p:nvSpPr>
-        <p:spPr>
-          <a:xfrm>
-            <a:off x="210341" y="870941"/>
-            <a:ext cx="1587286" cy="408623"/>
-          </a:xfrm>
-          <a:prstGeom prst="roundRect">
-            <a:avLst/>
-          </a:prstGeom>
-        </p:spPr>
-        <p:style>
-          <a:lnRef idx="1">
-            <a:schemeClr val="accent3"/>
-          </a:lnRef>
-          <a:fillRef idx="2">
-            <a:schemeClr val="accent3"/>
-          </a:fillRef>
-          <a:effectRef idx="1">
-            <a:schemeClr val="accent3"/>
-          </a:effectRef>
-          <a:fontRef idx="minor">
-            <a:schemeClr val="dk1"/>
-          </a:fontRef>
-        </p:style>
-        <p:txBody>
-          <a:bodyPr rtlCol="0" anchor="ctr">
-            <a:spAutoFit/>
-          </a:bodyPr>
-          <a:lstStyle/>
-          <a:p>
-            <a:r>
-              <a:rPr lang="en-US" altLang="zh-CN" dirty="0">
-                <a:latin typeface="Berlin Sans FB Demi" panose="020E0802020502020306" pitchFamily="34" charset="0"/>
-              </a:rPr>
-              <a:t>componet_id</a:t>
-            </a:r>
-            <a:endParaRPr lang="zh-CN" altLang="en-US" dirty="0">
-              <a:latin typeface="Berlin Sans FB Demi" panose="020E0802020502020306" pitchFamily="34" charset="0"/>
-            </a:endParaRPr>
-          </a:p>
-        </p:txBody>
-      </p:sp>
-      <p:sp>
-        <p:nvSpPr>
-          <p:cNvPr id="20" name="Rectangle: Rounded Corners 19">
-            <a:extLst>
-              <a:ext uri="{FF2B5EF4-FFF2-40B4-BE49-F238E27FC236}">
-                <a16:creationId xmlns:a16="http://schemas.microsoft.com/office/drawing/2014/main" id="{497F7D75-B0F1-49A5-A955-AF3F4398F876}"/>
-              </a:ext>
-            </a:extLst>
-          </p:cNvPr>
-          <p:cNvSpPr/>
-          <p:nvPr/>
-        </p:nvSpPr>
-        <p:spPr>
-          <a:xfrm>
-            <a:off x="221962" y="1383033"/>
-            <a:ext cx="1928955" cy="408623"/>
-          </a:xfrm>
-          <a:prstGeom prst="roundRect">
-            <a:avLst/>
-          </a:prstGeom>
-        </p:spPr>
-        <p:style>
-          <a:lnRef idx="1">
-            <a:schemeClr val="accent3"/>
-          </a:lnRef>
-          <a:fillRef idx="2">
-            <a:schemeClr val="accent3"/>
-          </a:fillRef>
-          <a:effectRef idx="1">
-            <a:schemeClr val="accent3"/>
-          </a:effectRef>
-          <a:fontRef idx="minor">
-            <a:schemeClr val="dk1"/>
-          </a:fontRef>
-        </p:style>
-        <p:txBody>
-          <a:bodyPr rtlCol="0" anchor="ctr">
-            <a:spAutoFit/>
-          </a:bodyPr>
-          <a:lstStyle/>
-          <a:p>
-            <a:r>
-              <a:rPr lang="en-US" altLang="zh-CN" dirty="0">
-                <a:latin typeface="Berlin Sans FB Demi" panose="020E0802020502020306" pitchFamily="34" charset="0"/>
-              </a:rPr>
-              <a:t>candidates</a:t>
-            </a:r>
-            <a:endParaRPr lang="zh-CN" altLang="en-US" dirty="0">
-              <a:latin typeface="Berlin Sans FB Demi" panose="020E0802020502020306" pitchFamily="34" charset="0"/>
-            </a:endParaRPr>
-          </a:p>
-        </p:txBody>
-      </p:sp>
-    </p:spTree>
-    <p:extLst>
-      <p:ext uri="{BB962C8B-B14F-4D97-AF65-F5344CB8AC3E}">
-        <p14:creationId xmlns:p14="http://schemas.microsoft.com/office/powerpoint/2010/main" val="640594837"/>
       </p:ext>
     </p:extLst>
   </p:cSld>

--- a/docs.pptx
+++ b/docs.pptx
@@ -5391,7 +5391,7 @@
           <a:p>
             <a:fld id="{B2CAF260-C6E5-43C1-AB7D-1DDC31487812}" type="datetime1">
               <a:rPr lang="zh-CN" altLang="en-US" smtClean="0"/>
-              <a:t>2019/1/28</a:t>
+              <a:t>2019/3/25</a:t>
             </a:fld>
             <a:endParaRPr lang="zh-CN" altLang="en-US"/>
           </a:p>
@@ -5591,7 +5591,7 @@
           <a:p>
             <a:fld id="{E2FDE29B-B267-43B7-911F-8B7B5178DAAA}" type="datetime1">
               <a:rPr lang="zh-CN" altLang="en-US" smtClean="0"/>
-              <a:t>2019/1/28</a:t>
+              <a:t>2019/3/25</a:t>
             </a:fld>
             <a:endParaRPr lang="zh-CN" altLang="en-US"/>
           </a:p>
@@ -5801,7 +5801,7 @@
           <a:p>
             <a:fld id="{58F69AEE-EBB5-4094-A036-258B6CD5A691}" type="datetime1">
               <a:rPr lang="zh-CN" altLang="en-US" smtClean="0"/>
-              <a:t>2019/1/28</a:t>
+              <a:t>2019/3/25</a:t>
             </a:fld>
             <a:endParaRPr lang="zh-CN" altLang="en-US"/>
           </a:p>
@@ -6001,7 +6001,7 @@
           <a:p>
             <a:fld id="{EA0C55B6-15F8-47F2-BA17-6667D0884E94}" type="datetime1">
               <a:rPr lang="zh-CN" altLang="en-US" smtClean="0"/>
-              <a:t>2019/1/28</a:t>
+              <a:t>2019/3/25</a:t>
             </a:fld>
             <a:endParaRPr lang="zh-CN" altLang="en-US"/>
           </a:p>
@@ -6277,7 +6277,7 @@
           <a:p>
             <a:fld id="{E16475AB-DF1D-43B5-9314-A34969FDFCF1}" type="datetime1">
               <a:rPr lang="zh-CN" altLang="en-US" smtClean="0"/>
-              <a:t>2019/1/28</a:t>
+              <a:t>2019/3/25</a:t>
             </a:fld>
             <a:endParaRPr lang="zh-CN" altLang="en-US"/>
           </a:p>
@@ -6545,7 +6545,7 @@
           <a:p>
             <a:fld id="{3767A592-7E27-4E7D-A9C7-3B15B36FAD3A}" type="datetime1">
               <a:rPr lang="zh-CN" altLang="en-US" smtClean="0"/>
-              <a:t>2019/1/28</a:t>
+              <a:t>2019/3/25</a:t>
             </a:fld>
             <a:endParaRPr lang="zh-CN" altLang="en-US"/>
           </a:p>
@@ -6960,7 +6960,7 @@
           <a:p>
             <a:fld id="{7901F99E-C60E-4183-B8FD-840AF5CE3B57}" type="datetime1">
               <a:rPr lang="zh-CN" altLang="en-US" smtClean="0"/>
-              <a:t>2019/1/28</a:t>
+              <a:t>2019/3/25</a:t>
             </a:fld>
             <a:endParaRPr lang="zh-CN" altLang="en-US"/>
           </a:p>
@@ -7102,7 +7102,7 @@
           <a:p>
             <a:fld id="{7B195C80-D524-46BD-98B6-BA22A34855F7}" type="datetime1">
               <a:rPr lang="zh-CN" altLang="en-US" smtClean="0"/>
-              <a:t>2019/1/28</a:t>
+              <a:t>2019/3/25</a:t>
             </a:fld>
             <a:endParaRPr lang="zh-CN" altLang="en-US"/>
           </a:p>
@@ -7215,7 +7215,7 @@
           <a:p>
             <a:fld id="{B58FE623-1036-4545-9983-CC7ABA14B150}" type="datetime1">
               <a:rPr lang="zh-CN" altLang="en-US" smtClean="0"/>
-              <a:t>2019/1/28</a:t>
+              <a:t>2019/3/25</a:t>
             </a:fld>
             <a:endParaRPr lang="zh-CN" altLang="en-US"/>
           </a:p>
@@ -7528,7 +7528,7 @@
           <a:p>
             <a:fld id="{CA65BC31-ADFA-4939-ADF1-A57605AB2556}" type="datetime1">
               <a:rPr lang="zh-CN" altLang="en-US" smtClean="0"/>
-              <a:t>2019/1/28</a:t>
+              <a:t>2019/3/25</a:t>
             </a:fld>
             <a:endParaRPr lang="zh-CN" altLang="en-US"/>
           </a:p>
@@ -7817,7 +7817,7 @@
           <a:p>
             <a:fld id="{40F03ED0-6E5F-48BB-90A8-AD1EC3E9AF09}" type="datetime1">
               <a:rPr lang="zh-CN" altLang="en-US" smtClean="0"/>
-              <a:t>2019/1/28</a:t>
+              <a:t>2019/3/25</a:t>
             </a:fld>
             <a:endParaRPr lang="zh-CN" altLang="en-US"/>
           </a:p>
@@ -8060,7 +8060,7 @@
           <a:p>
             <a:fld id="{7BE51BE7-2DB2-422B-A0F1-EEC574E16519}" type="datetime1">
               <a:rPr lang="zh-CN" altLang="en-US" smtClean="0"/>
-              <a:t>2019/1/28</a:t>
+              <a:t>2019/3/25</a:t>
             </a:fld>
             <a:endParaRPr lang="zh-CN" altLang="en-US"/>
           </a:p>
@@ -9441,6 +9441,64 @@
                 <a:latin typeface="Clarendon Blk BT" panose="02040905050505020204" pitchFamily="18" charset="0"/>
               </a:rPr>
               <a:t>RF7350:STUN</a:t>
+            </a:r>
+            <a:endParaRPr lang="zh-CN" altLang="en-US" dirty="0">
+              <a:solidFill>
+                <a:schemeClr val="tx2"/>
+              </a:solidFill>
+              <a:latin typeface="Clarendon Blk BT" panose="02040905050505020204" pitchFamily="18" charset="0"/>
+            </a:endParaRPr>
+          </a:p>
+        </p:txBody>
+      </p:sp>
+      <p:sp>
+        <p:nvSpPr>
+          <p:cNvPr id="21" name="Rectangle: Folded Corner 20">
+            <a:extLst>
+              <a:ext uri="{FF2B5EF4-FFF2-40B4-BE49-F238E27FC236}">
+                <a16:creationId xmlns:a16="http://schemas.microsoft.com/office/drawing/2014/main" id="{B7EC8AD3-D534-403F-8406-09D0F95CF7BD}"/>
+              </a:ext>
+            </a:extLst>
+          </p:cNvPr>
+          <p:cNvSpPr/>
+          <p:nvPr/>
+        </p:nvSpPr>
+        <p:spPr>
+          <a:xfrm>
+            <a:off x="7957025" y="2918050"/>
+            <a:ext cx="4176058" cy="946666"/>
+          </a:xfrm>
+          <a:prstGeom prst="foldedCorner">
+            <a:avLst/>
+          </a:prstGeom>
+          <a:ln/>
+        </p:spPr>
+        <p:style>
+          <a:lnRef idx="1">
+            <a:schemeClr val="accent4"/>
+          </a:lnRef>
+          <a:fillRef idx="2">
+            <a:schemeClr val="accent4"/>
+          </a:fillRef>
+          <a:effectRef idx="1">
+            <a:schemeClr val="accent4"/>
+          </a:effectRef>
+          <a:fontRef idx="minor">
+            <a:schemeClr val="dk1"/>
+          </a:fontRef>
+        </p:style>
+        <p:txBody>
+          <a:bodyPr rtlCol="0" anchor="ctr"/>
+          <a:lstStyle/>
+          <a:p>
+            <a:r>
+              <a:rPr lang="en-US" altLang="zh-CN" dirty="0">
+                <a:solidFill>
+                  <a:schemeClr val="tx2"/>
+                </a:solidFill>
+                <a:latin typeface="Clarendon Blk BT" panose="02040905050505020204" pitchFamily="18" charset="0"/>
+              </a:rPr>
+              <a:t>RFC 4787 : NAT Behavioral Requirements for Unicast UDP</a:t>
             </a:r>
             <a:endParaRPr lang="zh-CN" altLang="en-US" dirty="0">
               <a:solidFill>
